--- a/dismaths/combinations_advanced/combinations_advanced.pptx
+++ b/dismaths/combinations_advanced/combinations_advanced.pptx
@@ -10,6 +10,10 @@
     <p:sldId id="258" r:id="rId4"/>
     <p:sldId id="259" r:id="rId5"/>
     <p:sldId id="260" r:id="rId6"/>
+    <p:sldId id="270" r:id="rId7"/>
+    <p:sldId id="271" r:id="rId8"/>
+    <p:sldId id="272" r:id="rId9"/>
+    <p:sldId id="273" r:id="rId10"/>
   </p:sldIdLst>
   <p:sldSz cx="12192000" cy="6858000"/>
   <p:notesSz cx="6858000" cy="9144000"/>
@@ -263,7 +267,7 @@
           <a:p>
             <a:fld id="{02D2515E-8AFA-4101-AD22-8653DF823D95}" type="datetimeFigureOut">
               <a:rPr lang="en-US" smtClean="0"/>
-              <a:t>5/13/2019</a:t>
+              <a:t>14-Feb-21</a:t>
             </a:fld>
             <a:endParaRPr lang="en-US"/>
           </a:p>
@@ -461,7 +465,7 @@
           <a:p>
             <a:fld id="{02D2515E-8AFA-4101-AD22-8653DF823D95}" type="datetimeFigureOut">
               <a:rPr lang="en-US" smtClean="0"/>
-              <a:t>5/13/2019</a:t>
+              <a:t>14-Feb-21</a:t>
             </a:fld>
             <a:endParaRPr lang="en-US"/>
           </a:p>
@@ -669,7 +673,7 @@
           <a:p>
             <a:fld id="{02D2515E-8AFA-4101-AD22-8653DF823D95}" type="datetimeFigureOut">
               <a:rPr lang="en-US" smtClean="0"/>
-              <a:t>5/13/2019</a:t>
+              <a:t>14-Feb-21</a:t>
             </a:fld>
             <a:endParaRPr lang="en-US"/>
           </a:p>
@@ -867,7 +871,7 @@
           <a:p>
             <a:fld id="{02D2515E-8AFA-4101-AD22-8653DF823D95}" type="datetimeFigureOut">
               <a:rPr lang="en-US" smtClean="0"/>
-              <a:t>5/13/2019</a:t>
+              <a:t>14-Feb-21</a:t>
             </a:fld>
             <a:endParaRPr lang="en-US"/>
           </a:p>
@@ -1142,7 +1146,7 @@
           <a:p>
             <a:fld id="{02D2515E-8AFA-4101-AD22-8653DF823D95}" type="datetimeFigureOut">
               <a:rPr lang="en-US" smtClean="0"/>
-              <a:t>5/13/2019</a:t>
+              <a:t>14-Feb-21</a:t>
             </a:fld>
             <a:endParaRPr lang="en-US"/>
           </a:p>
@@ -1407,7 +1411,7 @@
           <a:p>
             <a:fld id="{02D2515E-8AFA-4101-AD22-8653DF823D95}" type="datetimeFigureOut">
               <a:rPr lang="en-US" smtClean="0"/>
-              <a:t>5/13/2019</a:t>
+              <a:t>14-Feb-21</a:t>
             </a:fld>
             <a:endParaRPr lang="en-US"/>
           </a:p>
@@ -1819,7 +1823,7 @@
           <a:p>
             <a:fld id="{02D2515E-8AFA-4101-AD22-8653DF823D95}" type="datetimeFigureOut">
               <a:rPr lang="en-US" smtClean="0"/>
-              <a:t>5/13/2019</a:t>
+              <a:t>14-Feb-21</a:t>
             </a:fld>
             <a:endParaRPr lang="en-US"/>
           </a:p>
@@ -1960,7 +1964,7 @@
           <a:p>
             <a:fld id="{02D2515E-8AFA-4101-AD22-8653DF823D95}" type="datetimeFigureOut">
               <a:rPr lang="en-US" smtClean="0"/>
-              <a:t>5/13/2019</a:t>
+              <a:t>14-Feb-21</a:t>
             </a:fld>
             <a:endParaRPr lang="en-US"/>
           </a:p>
@@ -2073,7 +2077,7 @@
           <a:p>
             <a:fld id="{02D2515E-8AFA-4101-AD22-8653DF823D95}" type="datetimeFigureOut">
               <a:rPr lang="en-US" smtClean="0"/>
-              <a:t>5/13/2019</a:t>
+              <a:t>14-Feb-21</a:t>
             </a:fld>
             <a:endParaRPr lang="en-US"/>
           </a:p>
@@ -2384,7 +2388,7 @@
           <a:p>
             <a:fld id="{02D2515E-8AFA-4101-AD22-8653DF823D95}" type="datetimeFigureOut">
               <a:rPr lang="en-US" smtClean="0"/>
-              <a:t>5/13/2019</a:t>
+              <a:t>14-Feb-21</a:t>
             </a:fld>
             <a:endParaRPr lang="en-US"/>
           </a:p>
@@ -2672,7 +2676,7 @@
           <a:p>
             <a:fld id="{02D2515E-8AFA-4101-AD22-8653DF823D95}" type="datetimeFigureOut">
               <a:rPr lang="en-US" smtClean="0"/>
-              <a:t>5/13/2019</a:t>
+              <a:t>14-Feb-21</a:t>
             </a:fld>
             <a:endParaRPr lang="en-US"/>
           </a:p>
@@ -2913,7 +2917,7 @@
           <a:p>
             <a:fld id="{02D2515E-8AFA-4101-AD22-8653DF823D95}" type="datetimeFigureOut">
               <a:rPr lang="en-US" smtClean="0"/>
-              <a:t>5/13/2019</a:t>
+              <a:t>14-Feb-21</a:t>
             </a:fld>
             <a:endParaRPr lang="en-US"/>
           </a:p>
@@ -9151,8 +9155,8 @@
           </p:sp>
         </mc:Fallback>
       </mc:AlternateContent>
-      <mc:AlternateContent xmlns:mc="http://schemas.openxmlformats.org/markup-compatibility/2006">
-        <mc:Choice xmlns:a14="http://schemas.microsoft.com/office/drawing/2010/main" Requires="a14">
+      <mc:AlternateContent xmlns:mc="http://schemas.openxmlformats.org/markup-compatibility/2006" xmlns:a14="http://schemas.microsoft.com/office/drawing/2010/main">
+        <mc:Choice Requires="a14">
           <p:sp>
             <p:nvSpPr>
               <p:cNvPr id="3" name="TextBox 2">
@@ -9298,7 +9302,7 @@
             </p:txBody>
           </p:sp>
         </mc:Choice>
-        <mc:Fallback>
+        <mc:Fallback xmlns="">
           <p:sp>
             <p:nvSpPr>
               <p:cNvPr id="3" name="TextBox 2">
@@ -9350,8 +9354,8 @@
           </p:sp>
         </mc:Fallback>
       </mc:AlternateContent>
-      <mc:AlternateContent xmlns:mc="http://schemas.openxmlformats.org/markup-compatibility/2006">
-        <mc:Choice xmlns:a14="http://schemas.microsoft.com/office/drawing/2010/main" Requires="a14">
+      <mc:AlternateContent xmlns:mc="http://schemas.openxmlformats.org/markup-compatibility/2006" xmlns:a14="http://schemas.microsoft.com/office/drawing/2010/main">
+        <mc:Choice Requires="a14">
           <p:sp>
             <p:nvSpPr>
               <p:cNvPr id="4" name="TextBox 3">
@@ -9429,7 +9433,7 @@
             </p:txBody>
           </p:sp>
         </mc:Choice>
-        <mc:Fallback>
+        <mc:Fallback xmlns="">
           <p:sp>
             <p:nvSpPr>
               <p:cNvPr id="4" name="TextBox 3">
@@ -10593,8 +10597,8 @@
           <a:chExt cx="0" cy="0"/>
         </a:xfrm>
       </p:grpSpPr>
-      <mc:AlternateContent xmlns:mc="http://schemas.openxmlformats.org/markup-compatibility/2006">
-        <mc:Choice xmlns:a14="http://schemas.microsoft.com/office/drawing/2010/main" Requires="a14">
+      <mc:AlternateContent xmlns:mc="http://schemas.openxmlformats.org/markup-compatibility/2006" xmlns:a14="http://schemas.microsoft.com/office/drawing/2010/main">
+        <mc:Choice Requires="a14">
           <p:sp>
             <p:nvSpPr>
               <p:cNvPr id="2" name="TextBox 1">
@@ -10854,7 +10858,7 @@
             </p:txBody>
           </p:sp>
         </mc:Choice>
-        <mc:Fallback>
+        <mc:Fallback xmlns="">
           <p:sp>
             <p:nvSpPr>
               <p:cNvPr id="2" name="TextBox 1">
@@ -10902,8 +10906,8 @@
           </p:sp>
         </mc:Fallback>
       </mc:AlternateContent>
-      <mc:AlternateContent xmlns:mc="http://schemas.openxmlformats.org/markup-compatibility/2006">
-        <mc:Choice xmlns:a14="http://schemas.microsoft.com/office/drawing/2010/main" Requires="a14">
+      <mc:AlternateContent xmlns:mc="http://schemas.openxmlformats.org/markup-compatibility/2006" xmlns:a14="http://schemas.microsoft.com/office/drawing/2010/main">
+        <mc:Choice Requires="a14">
           <p:sp>
             <p:nvSpPr>
               <p:cNvPr id="3" name="TextBox 2">
@@ -11089,7 +11093,7 @@
             </p:txBody>
           </p:sp>
         </mc:Choice>
-        <mc:Fallback>
+        <mc:Fallback xmlns="">
           <p:sp>
             <p:nvSpPr>
               <p:cNvPr id="3" name="TextBox 2">
@@ -11137,8 +11141,8 @@
           </p:sp>
         </mc:Fallback>
       </mc:AlternateContent>
-      <mc:AlternateContent xmlns:mc="http://schemas.openxmlformats.org/markup-compatibility/2006">
-        <mc:Choice xmlns:a14="http://schemas.microsoft.com/office/drawing/2010/main" Requires="a14">
+      <mc:AlternateContent xmlns:mc="http://schemas.openxmlformats.org/markup-compatibility/2006" xmlns:a14="http://schemas.microsoft.com/office/drawing/2010/main">
+        <mc:Choice Requires="a14">
           <p:sp>
             <p:nvSpPr>
               <p:cNvPr id="4" name="TextBox 3">
@@ -11297,13 +11301,7 @@
                             <a:rPr lang="en-US" sz="2800" b="0" i="1" smtClean="0">
                               <a:latin typeface="Cambria Math" panose="02040503050406030204" pitchFamily="18" charset="0"/>
                             </a:rPr>
-                            <m:t>!</m:t>
-                          </m:r>
-                          <m:r>
-                            <a:rPr lang="en-US" sz="2800" b="0" i="1" smtClean="0">
-                              <a:latin typeface="Cambria Math" panose="02040503050406030204" pitchFamily="18" charset="0"/>
-                            </a:rPr>
-                            <m:t> </m:t>
+                            <m:t>! </m:t>
                           </m:r>
                         </m:den>
                       </m:f>
@@ -11315,7 +11313,7 @@
             </p:txBody>
           </p:sp>
         </mc:Choice>
-        <mc:Fallback>
+        <mc:Fallback xmlns="">
           <p:sp>
             <p:nvSpPr>
               <p:cNvPr id="4" name="TextBox 3">
@@ -11363,8 +11361,8 @@
           </p:sp>
         </mc:Fallback>
       </mc:AlternateContent>
-      <mc:AlternateContent xmlns:mc="http://schemas.openxmlformats.org/markup-compatibility/2006">
-        <mc:Choice xmlns:a14="http://schemas.microsoft.com/office/drawing/2010/main" Requires="a14">
+      <mc:AlternateContent xmlns:mc="http://schemas.openxmlformats.org/markup-compatibility/2006" xmlns:a14="http://schemas.microsoft.com/office/drawing/2010/main">
+        <mc:Choice Requires="a14">
           <p:sp>
             <p:nvSpPr>
               <p:cNvPr id="6" name="TextBox 5">
@@ -11526,13 +11524,7 @@
                             <a:rPr lang="en-US" sz="2800" b="0" i="1" smtClean="0">
                               <a:latin typeface="Cambria Math" panose="02040503050406030204" pitchFamily="18" charset="0"/>
                             </a:rPr>
-                            <m:t>!</m:t>
-                          </m:r>
-                          <m:r>
-                            <a:rPr lang="en-US" sz="2800" b="0" i="1" smtClean="0">
-                              <a:latin typeface="Cambria Math" panose="02040503050406030204" pitchFamily="18" charset="0"/>
-                            </a:rPr>
-                            <m:t> </m:t>
+                            <m:t>! </m:t>
                           </m:r>
                         </m:den>
                       </m:f>
@@ -11544,7 +11536,7 @@
             </p:txBody>
           </p:sp>
         </mc:Choice>
-        <mc:Fallback>
+        <mc:Fallback xmlns="">
           <p:sp>
             <p:nvSpPr>
               <p:cNvPr id="6" name="TextBox 5">
@@ -11596,6 +11588,3560 @@
     <p:extLst>
       <p:ext uri="{BB962C8B-B14F-4D97-AF65-F5344CB8AC3E}">
         <p14:creationId xmlns:p14="http://schemas.microsoft.com/office/powerpoint/2010/main" val="1985784821"/>
+      </p:ext>
+    </p:extLst>
+  </p:cSld>
+  <p:clrMapOvr>
+    <a:masterClrMapping/>
+  </p:clrMapOvr>
+</p:sld>
+</file>
+
+<file path=ppt/slides/slide6.xml><?xml version="1.0" encoding="utf-8"?>
+<p:sld xmlns:a="http://schemas.openxmlformats.org/drawingml/2006/main" xmlns:r="http://schemas.openxmlformats.org/officeDocument/2006/relationships" xmlns:p="http://schemas.openxmlformats.org/presentationml/2006/main">
+  <p:cSld>
+    <p:spTree>
+      <p:nvGrpSpPr>
+        <p:cNvPr id="1" name=""/>
+        <p:cNvGrpSpPr/>
+        <p:nvPr/>
+      </p:nvGrpSpPr>
+      <p:grpSpPr>
+        <a:xfrm>
+          <a:off x="0" y="0"/>
+          <a:ext cx="0" cy="0"/>
+          <a:chOff x="0" y="0"/>
+          <a:chExt cx="0" cy="0"/>
+        </a:xfrm>
+      </p:grpSpPr>
+      <p:sp>
+        <p:nvSpPr>
+          <p:cNvPr id="2" name="TextBox 1">
+            <a:extLst>
+              <a:ext uri="{FF2B5EF4-FFF2-40B4-BE49-F238E27FC236}">
+                <a16:creationId xmlns:a16="http://schemas.microsoft.com/office/drawing/2014/main" id="{74190DDC-9D7C-448E-A849-5FAB74A82E37}"/>
+              </a:ext>
+            </a:extLst>
+          </p:cNvPr>
+          <p:cNvSpPr txBox="1"/>
+          <p:nvPr/>
+        </p:nvSpPr>
+        <p:spPr>
+          <a:xfrm>
+            <a:off x="292768" y="206122"/>
+            <a:ext cx="2241885" cy="5386090"/>
+          </a:xfrm>
+          <a:prstGeom prst="rect">
+            <a:avLst/>
+          </a:prstGeom>
+          <a:noFill/>
+          <a:ln w="57150">
+            <a:solidFill>
+              <a:srgbClr val="0070C0"/>
+            </a:solidFill>
+          </a:ln>
+        </p:spPr>
+        <p:txBody>
+          <a:bodyPr wrap="square" rtlCol="0">
+            <a:spAutoFit/>
+          </a:bodyPr>
+          <a:lstStyle/>
+          <a:p>
+            <a:pPr algn="just"/>
+            <a:r>
+              <a:rPr lang="en-US" sz="5400">
+                <a:solidFill>
+                  <a:schemeClr val="accent1">
+                    <a:lumMod val="75000"/>
+                  </a:schemeClr>
+                </a:solidFill>
+              </a:rPr>
+              <a:t>A B B A  A B A B A B A B A B B A </a:t>
+            </a:r>
+            <a:r>
+              <a:rPr lang="en-US" sz="5400" err="1">
+                <a:solidFill>
+                  <a:schemeClr val="accent1">
+                    <a:lumMod val="75000"/>
+                  </a:schemeClr>
+                </a:solidFill>
+              </a:rPr>
+              <a:t>A</a:t>
+            </a:r>
+            <a:r>
+              <a:rPr lang="en-US" sz="5400">
+                <a:solidFill>
+                  <a:schemeClr val="accent1">
+                    <a:lumMod val="75000"/>
+                  </a:schemeClr>
+                </a:solidFill>
+              </a:rPr>
+              <a:t> </a:t>
+            </a:r>
+            <a:r>
+              <a:rPr lang="en-US" sz="5400" err="1">
+                <a:solidFill>
+                  <a:schemeClr val="accent1">
+                    <a:lumMod val="75000"/>
+                  </a:schemeClr>
+                </a:solidFill>
+              </a:rPr>
+              <a:t>A</a:t>
+            </a:r>
+            <a:r>
+              <a:rPr lang="en-US" sz="5400">
+                <a:solidFill>
+                  <a:schemeClr val="accent1">
+                    <a:lumMod val="75000"/>
+                  </a:schemeClr>
+                </a:solidFill>
+              </a:rPr>
+              <a:t> B B A </a:t>
+            </a:r>
+            <a:r>
+              <a:rPr lang="en-US" sz="5400" err="1">
+                <a:solidFill>
+                  <a:schemeClr val="accent1">
+                    <a:lumMod val="75000"/>
+                  </a:schemeClr>
+                </a:solidFill>
+              </a:rPr>
+              <a:t>A</a:t>
+            </a:r>
+            <a:r>
+              <a:rPr lang="en-US" sz="5400">
+                <a:solidFill>
+                  <a:schemeClr val="accent1">
+                    <a:lumMod val="75000"/>
+                  </a:schemeClr>
+                </a:solidFill>
+              </a:rPr>
+              <a:t> B B </a:t>
+            </a:r>
+            <a:r>
+              <a:rPr lang="en-US" sz="2000">
+                <a:solidFill>
+                  <a:schemeClr val="bg1"/>
+                </a:solidFill>
+              </a:rPr>
+              <a:t>A</a:t>
+            </a:r>
+            <a:endParaRPr lang="en-US" sz="5400">
+              <a:solidFill>
+                <a:schemeClr val="bg1"/>
+              </a:solidFill>
+            </a:endParaRPr>
+          </a:p>
+        </p:txBody>
+      </p:sp>
+      <p:sp>
+        <p:nvSpPr>
+          <p:cNvPr id="5" name="TextBox 4">
+            <a:extLst>
+              <a:ext uri="{FF2B5EF4-FFF2-40B4-BE49-F238E27FC236}">
+                <a16:creationId xmlns:a16="http://schemas.microsoft.com/office/drawing/2014/main" id="{C347CC30-05D0-4283-B1FE-A03A837EF018}"/>
+              </a:ext>
+            </a:extLst>
+          </p:cNvPr>
+          <p:cNvSpPr txBox="1"/>
+          <p:nvPr/>
+        </p:nvSpPr>
+        <p:spPr>
+          <a:xfrm>
+            <a:off x="3226468" y="206122"/>
+            <a:ext cx="2241885" cy="5386090"/>
+          </a:xfrm>
+          <a:prstGeom prst="rect">
+            <a:avLst/>
+          </a:prstGeom>
+          <a:noFill/>
+          <a:ln w="57150">
+            <a:solidFill>
+              <a:srgbClr val="0070C0"/>
+            </a:solidFill>
+          </a:ln>
+        </p:spPr>
+        <p:txBody>
+          <a:bodyPr wrap="square" rtlCol="0">
+            <a:spAutoFit/>
+          </a:bodyPr>
+          <a:lstStyle/>
+          <a:p>
+            <a:pPr algn="just"/>
+            <a:r>
+              <a:rPr lang="en-US" sz="5400">
+                <a:solidFill>
+                  <a:schemeClr val="accent1">
+                    <a:lumMod val="75000"/>
+                  </a:schemeClr>
+                </a:solidFill>
+              </a:rPr>
+              <a:t>B A </a:t>
+            </a:r>
+            <a:r>
+              <a:rPr lang="en-US" sz="5400" err="1">
+                <a:solidFill>
+                  <a:schemeClr val="accent1">
+                    <a:lumMod val="75000"/>
+                  </a:schemeClr>
+                </a:solidFill>
+              </a:rPr>
+              <a:t>A</a:t>
+            </a:r>
+            <a:r>
+              <a:rPr lang="en-US" sz="5400">
+                <a:solidFill>
+                  <a:schemeClr val="accent1">
+                    <a:lumMod val="75000"/>
+                  </a:schemeClr>
+                </a:solidFill>
+              </a:rPr>
+              <a:t> B B A B A  B A B A B A A B B B A </a:t>
+            </a:r>
+            <a:r>
+              <a:rPr lang="en-US" sz="5400" err="1">
+                <a:solidFill>
+                  <a:schemeClr val="accent1">
+                    <a:lumMod val="75000"/>
+                  </a:schemeClr>
+                </a:solidFill>
+              </a:rPr>
+              <a:t>A</a:t>
+            </a:r>
+            <a:r>
+              <a:rPr lang="en-US" sz="5400">
+                <a:solidFill>
+                  <a:schemeClr val="accent1">
+                    <a:lumMod val="75000"/>
+                  </a:schemeClr>
+                </a:solidFill>
+              </a:rPr>
+              <a:t> B B A </a:t>
+            </a:r>
+            <a:r>
+              <a:rPr lang="en-US" sz="5400" err="1">
+                <a:solidFill>
+                  <a:schemeClr val="accent1">
+                    <a:lumMod val="75000"/>
+                  </a:schemeClr>
+                </a:solidFill>
+              </a:rPr>
+              <a:t>A</a:t>
+            </a:r>
+            <a:r>
+              <a:rPr lang="en-US" sz="5400">
+                <a:solidFill>
+                  <a:schemeClr val="accent1">
+                    <a:lumMod val="75000"/>
+                  </a:schemeClr>
+                </a:solidFill>
+              </a:rPr>
+              <a:t> </a:t>
+            </a:r>
+            <a:r>
+              <a:rPr lang="en-US" sz="2000" err="1">
+                <a:solidFill>
+                  <a:schemeClr val="bg1"/>
+                </a:solidFill>
+              </a:rPr>
+              <a:t>A</a:t>
+            </a:r>
+            <a:r>
+              <a:rPr lang="en-US" sz="2000">
+                <a:solidFill>
+                  <a:schemeClr val="accent1">
+                    <a:lumMod val="75000"/>
+                  </a:schemeClr>
+                </a:solidFill>
+              </a:rPr>
+              <a:t> </a:t>
+            </a:r>
+            <a:endParaRPr lang="en-US" sz="5400">
+              <a:solidFill>
+                <a:schemeClr val="accent1">
+                  <a:lumMod val="75000"/>
+                </a:schemeClr>
+              </a:solidFill>
+            </a:endParaRPr>
+          </a:p>
+        </p:txBody>
+      </p:sp>
+      <p:sp>
+        <p:nvSpPr>
+          <p:cNvPr id="6" name="TextBox 5">
+            <a:extLst>
+              <a:ext uri="{FF2B5EF4-FFF2-40B4-BE49-F238E27FC236}">
+                <a16:creationId xmlns:a16="http://schemas.microsoft.com/office/drawing/2014/main" id="{8887F9E2-35F8-4B80-AC44-24B397BF9348}"/>
+              </a:ext>
+            </a:extLst>
+          </p:cNvPr>
+          <p:cNvSpPr txBox="1"/>
+          <p:nvPr/>
+        </p:nvSpPr>
+        <p:spPr>
+          <a:xfrm>
+            <a:off x="6160168" y="206122"/>
+            <a:ext cx="2241885" cy="5386090"/>
+          </a:xfrm>
+          <a:prstGeom prst="rect">
+            <a:avLst/>
+          </a:prstGeom>
+          <a:noFill/>
+          <a:ln w="57150">
+            <a:solidFill>
+              <a:srgbClr val="0070C0"/>
+            </a:solidFill>
+          </a:ln>
+        </p:spPr>
+        <p:txBody>
+          <a:bodyPr wrap="square" rtlCol="0">
+            <a:spAutoFit/>
+          </a:bodyPr>
+          <a:lstStyle/>
+          <a:p>
+            <a:pPr algn="just"/>
+            <a:r>
+              <a:rPr lang="en-US" sz="5400">
+                <a:solidFill>
+                  <a:schemeClr val="accent1">
+                    <a:lumMod val="75000"/>
+                  </a:schemeClr>
+                </a:solidFill>
+              </a:rPr>
+              <a:t>B A B A B A </a:t>
+            </a:r>
+            <a:r>
+              <a:rPr lang="en-US" sz="5400" err="1">
+                <a:solidFill>
+                  <a:schemeClr val="accent1">
+                    <a:lumMod val="75000"/>
+                  </a:schemeClr>
+                </a:solidFill>
+              </a:rPr>
+              <a:t>A</a:t>
+            </a:r>
+            <a:r>
+              <a:rPr lang="en-US" sz="5400">
+                <a:solidFill>
+                  <a:schemeClr val="accent1">
+                    <a:lumMod val="75000"/>
+                  </a:schemeClr>
+                </a:solidFill>
+              </a:rPr>
+              <a:t> B B B A A B B A </a:t>
+            </a:r>
+            <a:r>
+              <a:rPr lang="en-US" sz="5400" err="1">
+                <a:solidFill>
+                  <a:schemeClr val="accent1">
+                    <a:lumMod val="75000"/>
+                  </a:schemeClr>
+                </a:solidFill>
+              </a:rPr>
+              <a:t>A</a:t>
+            </a:r>
+            <a:r>
+              <a:rPr lang="en-US" sz="5400">
+                <a:solidFill>
+                  <a:schemeClr val="accent1">
+                    <a:lumMod val="75000"/>
+                  </a:schemeClr>
+                </a:solidFill>
+              </a:rPr>
+              <a:t> B A A B B A B A  </a:t>
+            </a:r>
+            <a:r>
+              <a:rPr lang="en-US" sz="2000">
+                <a:solidFill>
+                  <a:schemeClr val="bg1"/>
+                </a:solidFill>
+              </a:rPr>
+              <a:t>a</a:t>
+            </a:r>
+            <a:endParaRPr lang="en-US" sz="5400">
+              <a:solidFill>
+                <a:schemeClr val="bg1"/>
+              </a:solidFill>
+            </a:endParaRPr>
+          </a:p>
+        </p:txBody>
+      </p:sp>
+      <p:sp>
+        <p:nvSpPr>
+          <p:cNvPr id="7" name="TextBox 6">
+            <a:extLst>
+              <a:ext uri="{FF2B5EF4-FFF2-40B4-BE49-F238E27FC236}">
+                <a16:creationId xmlns:a16="http://schemas.microsoft.com/office/drawing/2014/main" id="{78FB6AFC-D3D4-4588-9670-000B6F07CD04}"/>
+              </a:ext>
+            </a:extLst>
+          </p:cNvPr>
+          <p:cNvSpPr txBox="1"/>
+          <p:nvPr/>
+        </p:nvSpPr>
+        <p:spPr>
+          <a:xfrm>
+            <a:off x="9093868" y="206122"/>
+            <a:ext cx="2241885" cy="5386090"/>
+          </a:xfrm>
+          <a:prstGeom prst="rect">
+            <a:avLst/>
+          </a:prstGeom>
+          <a:noFill/>
+          <a:ln w="57150">
+            <a:solidFill>
+              <a:srgbClr val="0070C0"/>
+            </a:solidFill>
+          </a:ln>
+        </p:spPr>
+        <p:txBody>
+          <a:bodyPr wrap="square" rtlCol="0">
+            <a:spAutoFit/>
+          </a:bodyPr>
+          <a:lstStyle/>
+          <a:p>
+            <a:pPr algn="just"/>
+            <a:r>
+              <a:rPr lang="en-US" sz="5400">
+                <a:solidFill>
+                  <a:schemeClr val="accent1">
+                    <a:lumMod val="75000"/>
+                  </a:schemeClr>
+                </a:solidFill>
+              </a:rPr>
+              <a:t>A A B B A A B B A B A B A B B A </a:t>
+            </a:r>
+            <a:r>
+              <a:rPr lang="en-US" sz="5400" err="1">
+                <a:solidFill>
+                  <a:schemeClr val="accent1">
+                    <a:lumMod val="75000"/>
+                  </a:schemeClr>
+                </a:solidFill>
+              </a:rPr>
+              <a:t>A</a:t>
+            </a:r>
+            <a:r>
+              <a:rPr lang="en-US" sz="5400">
+                <a:solidFill>
+                  <a:schemeClr val="accent1">
+                    <a:lumMod val="75000"/>
+                  </a:schemeClr>
+                </a:solidFill>
+              </a:rPr>
+              <a:t> B B A </a:t>
+            </a:r>
+            <a:r>
+              <a:rPr lang="en-US" sz="5400" err="1">
+                <a:solidFill>
+                  <a:schemeClr val="accent1">
+                    <a:lumMod val="75000"/>
+                  </a:schemeClr>
+                </a:solidFill>
+              </a:rPr>
+              <a:t>A</a:t>
+            </a:r>
+            <a:r>
+              <a:rPr lang="en-US" sz="5400">
+                <a:solidFill>
+                  <a:schemeClr val="accent1">
+                    <a:lumMod val="75000"/>
+                  </a:schemeClr>
+                </a:solidFill>
+              </a:rPr>
+              <a:t> B A B </a:t>
+            </a:r>
+            <a:r>
+              <a:rPr lang="en-US" sz="2000">
+                <a:solidFill>
+                  <a:schemeClr val="bg1"/>
+                </a:solidFill>
+              </a:rPr>
+              <a:t>a</a:t>
+            </a:r>
+            <a:endParaRPr lang="en-US" sz="5400">
+              <a:solidFill>
+                <a:schemeClr val="bg1"/>
+              </a:solidFill>
+            </a:endParaRPr>
+          </a:p>
+        </p:txBody>
+      </p:sp>
+    </p:spTree>
+    <p:extLst>
+      <p:ext uri="{BB962C8B-B14F-4D97-AF65-F5344CB8AC3E}">
+        <p14:creationId xmlns:p14="http://schemas.microsoft.com/office/powerpoint/2010/main" val="1649725824"/>
+      </p:ext>
+    </p:extLst>
+  </p:cSld>
+  <p:clrMapOvr>
+    <a:masterClrMapping/>
+  </p:clrMapOvr>
+</p:sld>
+</file>
+
+<file path=ppt/slides/slide7.xml><?xml version="1.0" encoding="utf-8"?>
+<p:sld xmlns:a="http://schemas.openxmlformats.org/drawingml/2006/main" xmlns:r="http://schemas.openxmlformats.org/officeDocument/2006/relationships" xmlns:p="http://schemas.openxmlformats.org/presentationml/2006/main">
+  <p:cSld>
+    <p:spTree>
+      <p:nvGrpSpPr>
+        <p:cNvPr id="1" name=""/>
+        <p:cNvGrpSpPr/>
+        <p:nvPr/>
+      </p:nvGrpSpPr>
+      <p:grpSpPr>
+        <a:xfrm>
+          <a:off x="0" y="0"/>
+          <a:ext cx="0" cy="0"/>
+          <a:chOff x="0" y="0"/>
+          <a:chExt cx="0" cy="0"/>
+        </a:xfrm>
+      </p:grpSpPr>
+      <p:sp>
+        <p:nvSpPr>
+          <p:cNvPr id="2" name="TextBox 1">
+            <a:extLst>
+              <a:ext uri="{FF2B5EF4-FFF2-40B4-BE49-F238E27FC236}">
+                <a16:creationId xmlns:a16="http://schemas.microsoft.com/office/drawing/2014/main" id="{74190DDC-9D7C-448E-A849-5FAB74A82E37}"/>
+              </a:ext>
+            </a:extLst>
+          </p:cNvPr>
+          <p:cNvSpPr txBox="1"/>
+          <p:nvPr/>
+        </p:nvSpPr>
+        <p:spPr>
+          <a:xfrm>
+            <a:off x="292768" y="206122"/>
+            <a:ext cx="2241885" cy="5386090"/>
+          </a:xfrm>
+          <a:prstGeom prst="rect">
+            <a:avLst/>
+          </a:prstGeom>
+          <a:noFill/>
+          <a:ln w="57150">
+            <a:solidFill>
+              <a:srgbClr val="0070C0"/>
+            </a:solidFill>
+          </a:ln>
+        </p:spPr>
+        <p:txBody>
+          <a:bodyPr wrap="square" rtlCol="0">
+            <a:spAutoFit/>
+          </a:bodyPr>
+          <a:lstStyle/>
+          <a:p>
+            <a:pPr algn="just"/>
+            <a:r>
+              <a:rPr lang="en-US" sz="5400">
+                <a:solidFill>
+                  <a:schemeClr val="accent2">
+                    <a:lumMod val="75000"/>
+                  </a:schemeClr>
+                </a:solidFill>
+              </a:rPr>
+              <a:t>A</a:t>
+            </a:r>
+            <a:r>
+              <a:rPr lang="en-US" sz="5400">
+                <a:solidFill>
+                  <a:schemeClr val="accent1">
+                    <a:lumMod val="75000"/>
+                  </a:schemeClr>
+                </a:solidFill>
+              </a:rPr>
+              <a:t> B </a:t>
+            </a:r>
+            <a:r>
+              <a:rPr lang="en-US" sz="5400">
+                <a:solidFill>
+                  <a:schemeClr val="accent2">
+                    <a:lumMod val="75000"/>
+                  </a:schemeClr>
+                </a:solidFill>
+              </a:rPr>
+              <a:t>B</a:t>
+            </a:r>
+            <a:r>
+              <a:rPr lang="en-US" sz="5400">
+                <a:solidFill>
+                  <a:schemeClr val="accent1">
+                    <a:lumMod val="75000"/>
+                  </a:schemeClr>
+                </a:solidFill>
+              </a:rPr>
+              <a:t> A  </a:t>
+            </a:r>
+            <a:r>
+              <a:rPr lang="en-US" sz="5400">
+                <a:solidFill>
+                  <a:schemeClr val="accent2">
+                    <a:lumMod val="75000"/>
+                  </a:schemeClr>
+                </a:solidFill>
+              </a:rPr>
+              <a:t>A</a:t>
+            </a:r>
+            <a:r>
+              <a:rPr lang="en-US" sz="5400">
+                <a:solidFill>
+                  <a:schemeClr val="accent1">
+                    <a:lumMod val="75000"/>
+                  </a:schemeClr>
+                </a:solidFill>
+              </a:rPr>
+              <a:t> B A </a:t>
+            </a:r>
+            <a:r>
+              <a:rPr lang="en-US" sz="5400">
+                <a:solidFill>
+                  <a:schemeClr val="accent2">
+                    <a:lumMod val="75000"/>
+                  </a:schemeClr>
+                </a:solidFill>
+              </a:rPr>
+              <a:t>B</a:t>
+            </a:r>
+            <a:r>
+              <a:rPr lang="en-US" sz="5400">
+                <a:solidFill>
+                  <a:schemeClr val="accent1">
+                    <a:lumMod val="75000"/>
+                  </a:schemeClr>
+                </a:solidFill>
+              </a:rPr>
+              <a:t> </a:t>
+            </a:r>
+            <a:r>
+              <a:rPr lang="en-US" sz="5400">
+                <a:solidFill>
+                  <a:schemeClr val="accent2">
+                    <a:lumMod val="75000"/>
+                  </a:schemeClr>
+                </a:solidFill>
+              </a:rPr>
+              <a:t>A</a:t>
+            </a:r>
+            <a:r>
+              <a:rPr lang="en-US" sz="5400">
+                <a:solidFill>
+                  <a:schemeClr val="accent1">
+                    <a:lumMod val="75000"/>
+                  </a:schemeClr>
+                </a:solidFill>
+              </a:rPr>
+              <a:t> </a:t>
+            </a:r>
+            <a:r>
+              <a:rPr lang="en-US" sz="5400">
+                <a:solidFill>
+                  <a:schemeClr val="accent2">
+                    <a:lumMod val="75000"/>
+                  </a:schemeClr>
+                </a:solidFill>
+              </a:rPr>
+              <a:t>B</a:t>
+            </a:r>
+            <a:r>
+              <a:rPr lang="en-US" sz="5400">
+                <a:solidFill>
+                  <a:schemeClr val="accent1">
+                    <a:lumMod val="75000"/>
+                  </a:schemeClr>
+                </a:solidFill>
+              </a:rPr>
+              <a:t> A B </a:t>
+            </a:r>
+            <a:r>
+              <a:rPr lang="en-US" sz="5400">
+                <a:solidFill>
+                  <a:schemeClr val="accent2">
+                    <a:lumMod val="75000"/>
+                  </a:schemeClr>
+                </a:solidFill>
+              </a:rPr>
+              <a:t>A</a:t>
+            </a:r>
+            <a:r>
+              <a:rPr lang="en-US" sz="5400">
+                <a:solidFill>
+                  <a:schemeClr val="accent1">
+                    <a:lumMod val="75000"/>
+                  </a:schemeClr>
+                </a:solidFill>
+              </a:rPr>
+              <a:t> </a:t>
+            </a:r>
+            <a:r>
+              <a:rPr lang="en-US" sz="5400">
+                <a:solidFill>
+                  <a:schemeClr val="accent2">
+                    <a:lumMod val="75000"/>
+                  </a:schemeClr>
+                </a:solidFill>
+              </a:rPr>
+              <a:t>B</a:t>
+            </a:r>
+            <a:r>
+              <a:rPr lang="en-US" sz="5400">
+                <a:solidFill>
+                  <a:schemeClr val="accent1">
+                    <a:lumMod val="75000"/>
+                  </a:schemeClr>
+                </a:solidFill>
+              </a:rPr>
+              <a:t> B A </a:t>
+            </a:r>
+            <a:r>
+              <a:rPr lang="en-US" sz="5400" err="1">
+                <a:solidFill>
+                  <a:schemeClr val="accent2">
+                    <a:lumMod val="75000"/>
+                  </a:schemeClr>
+                </a:solidFill>
+              </a:rPr>
+              <a:t>A</a:t>
+            </a:r>
+            <a:r>
+              <a:rPr lang="en-US" sz="5400">
+                <a:solidFill>
+                  <a:schemeClr val="accent1">
+                    <a:lumMod val="75000"/>
+                  </a:schemeClr>
+                </a:solidFill>
+              </a:rPr>
+              <a:t> </a:t>
+            </a:r>
+            <a:r>
+              <a:rPr lang="en-US" sz="5400" err="1">
+                <a:solidFill>
+                  <a:schemeClr val="accent1">
+                    <a:lumMod val="75000"/>
+                  </a:schemeClr>
+                </a:solidFill>
+              </a:rPr>
+              <a:t>A</a:t>
+            </a:r>
+            <a:r>
+              <a:rPr lang="en-US" sz="5400">
+                <a:solidFill>
+                  <a:schemeClr val="accent1">
+                    <a:lumMod val="75000"/>
+                  </a:schemeClr>
+                </a:solidFill>
+              </a:rPr>
+              <a:t> </a:t>
+            </a:r>
+            <a:r>
+              <a:rPr lang="en-US" sz="5400">
+                <a:solidFill>
+                  <a:schemeClr val="accent2">
+                    <a:lumMod val="75000"/>
+                  </a:schemeClr>
+                </a:solidFill>
+              </a:rPr>
+              <a:t>B</a:t>
+            </a:r>
+            <a:r>
+              <a:rPr lang="en-US" sz="5400">
+                <a:solidFill>
+                  <a:schemeClr val="accent1">
+                    <a:lumMod val="75000"/>
+                  </a:schemeClr>
+                </a:solidFill>
+              </a:rPr>
+              <a:t> B </a:t>
+            </a:r>
+            <a:r>
+              <a:rPr lang="en-US" sz="5400">
+                <a:solidFill>
+                  <a:schemeClr val="accent2">
+                    <a:lumMod val="75000"/>
+                  </a:schemeClr>
+                </a:solidFill>
+              </a:rPr>
+              <a:t>A</a:t>
+            </a:r>
+            <a:r>
+              <a:rPr lang="en-US" sz="5400">
+                <a:solidFill>
+                  <a:schemeClr val="accent1">
+                    <a:lumMod val="75000"/>
+                  </a:schemeClr>
+                </a:solidFill>
+              </a:rPr>
+              <a:t> </a:t>
+            </a:r>
+            <a:r>
+              <a:rPr lang="en-US" sz="5400" err="1">
+                <a:solidFill>
+                  <a:schemeClr val="accent1">
+                    <a:lumMod val="75000"/>
+                  </a:schemeClr>
+                </a:solidFill>
+              </a:rPr>
+              <a:t>A</a:t>
+            </a:r>
+            <a:r>
+              <a:rPr lang="en-US" sz="5400">
+                <a:solidFill>
+                  <a:schemeClr val="accent1">
+                    <a:lumMod val="75000"/>
+                  </a:schemeClr>
+                </a:solidFill>
+              </a:rPr>
+              <a:t> B </a:t>
+            </a:r>
+            <a:r>
+              <a:rPr lang="en-US" sz="5400">
+                <a:solidFill>
+                  <a:schemeClr val="accent2">
+                    <a:lumMod val="75000"/>
+                  </a:schemeClr>
+                </a:solidFill>
+              </a:rPr>
+              <a:t>B</a:t>
+            </a:r>
+            <a:r>
+              <a:rPr lang="en-US" sz="5400">
+                <a:solidFill>
+                  <a:schemeClr val="accent1">
+                    <a:lumMod val="75000"/>
+                  </a:schemeClr>
+                </a:solidFill>
+              </a:rPr>
+              <a:t> </a:t>
+            </a:r>
+            <a:r>
+              <a:rPr lang="en-US" sz="2000">
+                <a:solidFill>
+                  <a:schemeClr val="bg1"/>
+                </a:solidFill>
+              </a:rPr>
+              <a:t>A</a:t>
+            </a:r>
+            <a:endParaRPr lang="en-US" sz="5400">
+              <a:solidFill>
+                <a:schemeClr val="bg1"/>
+              </a:solidFill>
+            </a:endParaRPr>
+          </a:p>
+        </p:txBody>
+      </p:sp>
+      <p:sp>
+        <p:nvSpPr>
+          <p:cNvPr id="5" name="TextBox 4">
+            <a:extLst>
+              <a:ext uri="{FF2B5EF4-FFF2-40B4-BE49-F238E27FC236}">
+                <a16:creationId xmlns:a16="http://schemas.microsoft.com/office/drawing/2014/main" id="{C347CC30-05D0-4283-B1FE-A03A837EF018}"/>
+              </a:ext>
+            </a:extLst>
+          </p:cNvPr>
+          <p:cNvSpPr txBox="1"/>
+          <p:nvPr/>
+        </p:nvSpPr>
+        <p:spPr>
+          <a:xfrm>
+            <a:off x="3226468" y="206122"/>
+            <a:ext cx="2241885" cy="5386090"/>
+          </a:xfrm>
+          <a:prstGeom prst="rect">
+            <a:avLst/>
+          </a:prstGeom>
+          <a:noFill/>
+          <a:ln w="57150">
+            <a:solidFill>
+              <a:srgbClr val="0070C0"/>
+            </a:solidFill>
+          </a:ln>
+        </p:spPr>
+        <p:txBody>
+          <a:bodyPr wrap="square" rtlCol="0">
+            <a:spAutoFit/>
+          </a:bodyPr>
+          <a:lstStyle/>
+          <a:p>
+            <a:pPr algn="just"/>
+            <a:r>
+              <a:rPr lang="en-US" sz="5400">
+                <a:solidFill>
+                  <a:schemeClr val="accent1">
+                    <a:lumMod val="75000"/>
+                  </a:schemeClr>
+                </a:solidFill>
+              </a:rPr>
+              <a:t>B </a:t>
+            </a:r>
+            <a:r>
+              <a:rPr lang="en-US" sz="5400">
+                <a:solidFill>
+                  <a:schemeClr val="accent2">
+                    <a:lumMod val="75000"/>
+                  </a:schemeClr>
+                </a:solidFill>
+              </a:rPr>
+              <a:t>A</a:t>
+            </a:r>
+            <a:r>
+              <a:rPr lang="en-US" sz="5400">
+                <a:solidFill>
+                  <a:schemeClr val="accent1">
+                    <a:lumMod val="75000"/>
+                  </a:schemeClr>
+                </a:solidFill>
+              </a:rPr>
+              <a:t> </a:t>
+            </a:r>
+            <a:r>
+              <a:rPr lang="en-US" sz="5400" err="1">
+                <a:solidFill>
+                  <a:schemeClr val="accent1">
+                    <a:lumMod val="75000"/>
+                  </a:schemeClr>
+                </a:solidFill>
+              </a:rPr>
+              <a:t>A</a:t>
+            </a:r>
+            <a:r>
+              <a:rPr lang="en-US" sz="5400">
+                <a:solidFill>
+                  <a:schemeClr val="accent1">
+                    <a:lumMod val="75000"/>
+                  </a:schemeClr>
+                </a:solidFill>
+              </a:rPr>
+              <a:t> </a:t>
+            </a:r>
+            <a:r>
+              <a:rPr lang="en-US" sz="5400">
+                <a:solidFill>
+                  <a:schemeClr val="accent2">
+                    <a:lumMod val="75000"/>
+                  </a:schemeClr>
+                </a:solidFill>
+              </a:rPr>
+              <a:t>B</a:t>
+            </a:r>
+            <a:r>
+              <a:rPr lang="en-US" sz="5400">
+                <a:solidFill>
+                  <a:schemeClr val="accent1">
+                    <a:lumMod val="75000"/>
+                  </a:schemeClr>
+                </a:solidFill>
+              </a:rPr>
+              <a:t> B </a:t>
+            </a:r>
+            <a:r>
+              <a:rPr lang="en-US" sz="5400">
+                <a:solidFill>
+                  <a:schemeClr val="accent2">
+                    <a:lumMod val="75000"/>
+                  </a:schemeClr>
+                </a:solidFill>
+              </a:rPr>
+              <a:t>A</a:t>
+            </a:r>
+            <a:r>
+              <a:rPr lang="en-US" sz="5400">
+                <a:solidFill>
+                  <a:schemeClr val="accent1">
+                    <a:lumMod val="75000"/>
+                  </a:schemeClr>
+                </a:solidFill>
+              </a:rPr>
+              <a:t> </a:t>
+            </a:r>
+            <a:r>
+              <a:rPr lang="en-US" sz="5400">
+                <a:solidFill>
+                  <a:schemeClr val="accent2">
+                    <a:lumMod val="75000"/>
+                  </a:schemeClr>
+                </a:solidFill>
+              </a:rPr>
+              <a:t>B</a:t>
+            </a:r>
+            <a:r>
+              <a:rPr lang="en-US" sz="5400">
+                <a:solidFill>
+                  <a:schemeClr val="accent1">
+                    <a:lumMod val="75000"/>
+                  </a:schemeClr>
+                </a:solidFill>
+              </a:rPr>
+              <a:t> A  B </a:t>
+            </a:r>
+            <a:r>
+              <a:rPr lang="en-US" sz="5400">
+                <a:solidFill>
+                  <a:schemeClr val="accent2">
+                    <a:lumMod val="75000"/>
+                  </a:schemeClr>
+                </a:solidFill>
+              </a:rPr>
+              <a:t>A</a:t>
+            </a:r>
+            <a:r>
+              <a:rPr lang="en-US" sz="5400">
+                <a:solidFill>
+                  <a:schemeClr val="accent1">
+                    <a:lumMod val="75000"/>
+                  </a:schemeClr>
+                </a:solidFill>
+              </a:rPr>
+              <a:t> </a:t>
+            </a:r>
+            <a:r>
+              <a:rPr lang="en-US" sz="5400">
+                <a:solidFill>
+                  <a:schemeClr val="accent2">
+                    <a:lumMod val="75000"/>
+                  </a:schemeClr>
+                </a:solidFill>
+              </a:rPr>
+              <a:t>B</a:t>
+            </a:r>
+            <a:r>
+              <a:rPr lang="en-US" sz="5400">
+                <a:solidFill>
+                  <a:schemeClr val="accent1">
+                    <a:lumMod val="75000"/>
+                  </a:schemeClr>
+                </a:solidFill>
+              </a:rPr>
+              <a:t> A B </a:t>
+            </a:r>
+            <a:r>
+              <a:rPr lang="en-US" sz="5400">
+                <a:solidFill>
+                  <a:schemeClr val="accent2">
+                    <a:lumMod val="75000"/>
+                  </a:schemeClr>
+                </a:solidFill>
+              </a:rPr>
+              <a:t>A</a:t>
+            </a:r>
+            <a:r>
+              <a:rPr lang="en-US" sz="5400">
+                <a:solidFill>
+                  <a:schemeClr val="accent1">
+                    <a:lumMod val="75000"/>
+                  </a:schemeClr>
+                </a:solidFill>
+              </a:rPr>
+              <a:t> A </a:t>
+            </a:r>
+            <a:r>
+              <a:rPr lang="en-US" sz="5400">
+                <a:solidFill>
+                  <a:schemeClr val="accent2">
+                    <a:lumMod val="75000"/>
+                  </a:schemeClr>
+                </a:solidFill>
+              </a:rPr>
+              <a:t>B</a:t>
+            </a:r>
+            <a:r>
+              <a:rPr lang="en-US" sz="5400">
+                <a:solidFill>
+                  <a:schemeClr val="accent1">
+                    <a:lumMod val="75000"/>
+                  </a:schemeClr>
+                </a:solidFill>
+              </a:rPr>
+              <a:t> B </a:t>
+            </a:r>
+            <a:r>
+              <a:rPr lang="en-US" sz="5400">
+                <a:solidFill>
+                  <a:schemeClr val="accent2">
+                    <a:lumMod val="75000"/>
+                  </a:schemeClr>
+                </a:solidFill>
+              </a:rPr>
+              <a:t>B</a:t>
+            </a:r>
+            <a:r>
+              <a:rPr lang="en-US" sz="5400">
+                <a:solidFill>
+                  <a:schemeClr val="accent1">
+                    <a:lumMod val="75000"/>
+                  </a:schemeClr>
+                </a:solidFill>
+              </a:rPr>
+              <a:t> </a:t>
+            </a:r>
+            <a:r>
+              <a:rPr lang="en-US" sz="5400">
+                <a:solidFill>
+                  <a:schemeClr val="accent2">
+                    <a:lumMod val="75000"/>
+                  </a:schemeClr>
+                </a:solidFill>
+              </a:rPr>
+              <a:t>A</a:t>
+            </a:r>
+            <a:r>
+              <a:rPr lang="en-US" sz="5400">
+                <a:solidFill>
+                  <a:schemeClr val="accent1">
+                    <a:lumMod val="75000"/>
+                  </a:schemeClr>
+                </a:solidFill>
+              </a:rPr>
+              <a:t> </a:t>
+            </a:r>
+            <a:r>
+              <a:rPr lang="en-US" sz="5400" err="1">
+                <a:solidFill>
+                  <a:schemeClr val="accent1">
+                    <a:lumMod val="75000"/>
+                  </a:schemeClr>
+                </a:solidFill>
+              </a:rPr>
+              <a:t>A</a:t>
+            </a:r>
+            <a:r>
+              <a:rPr lang="en-US" sz="5400">
+                <a:solidFill>
+                  <a:schemeClr val="accent1">
+                    <a:lumMod val="75000"/>
+                  </a:schemeClr>
+                </a:solidFill>
+              </a:rPr>
+              <a:t> B </a:t>
+            </a:r>
+            <a:r>
+              <a:rPr lang="en-US" sz="5400">
+                <a:solidFill>
+                  <a:schemeClr val="accent2">
+                    <a:lumMod val="75000"/>
+                  </a:schemeClr>
+                </a:solidFill>
+              </a:rPr>
+              <a:t>B</a:t>
+            </a:r>
+            <a:r>
+              <a:rPr lang="en-US" sz="5400">
+                <a:solidFill>
+                  <a:schemeClr val="accent1">
+                    <a:lumMod val="75000"/>
+                  </a:schemeClr>
+                </a:solidFill>
+              </a:rPr>
+              <a:t> A </a:t>
+            </a:r>
+            <a:r>
+              <a:rPr lang="en-US" sz="5400" err="1">
+                <a:solidFill>
+                  <a:schemeClr val="accent2">
+                    <a:lumMod val="75000"/>
+                  </a:schemeClr>
+                </a:solidFill>
+              </a:rPr>
+              <a:t>A</a:t>
+            </a:r>
+            <a:r>
+              <a:rPr lang="en-US" sz="5400">
+                <a:solidFill>
+                  <a:schemeClr val="accent1">
+                    <a:lumMod val="75000"/>
+                  </a:schemeClr>
+                </a:solidFill>
+              </a:rPr>
+              <a:t> </a:t>
+            </a:r>
+            <a:r>
+              <a:rPr lang="en-US" sz="2000" err="1">
+                <a:solidFill>
+                  <a:schemeClr val="bg1"/>
+                </a:solidFill>
+              </a:rPr>
+              <a:t>A</a:t>
+            </a:r>
+            <a:r>
+              <a:rPr lang="en-US" sz="2000">
+                <a:solidFill>
+                  <a:schemeClr val="accent1">
+                    <a:lumMod val="75000"/>
+                  </a:schemeClr>
+                </a:solidFill>
+              </a:rPr>
+              <a:t> </a:t>
+            </a:r>
+            <a:endParaRPr lang="en-US" sz="5400">
+              <a:solidFill>
+                <a:schemeClr val="accent1">
+                  <a:lumMod val="75000"/>
+                </a:schemeClr>
+              </a:solidFill>
+            </a:endParaRPr>
+          </a:p>
+        </p:txBody>
+      </p:sp>
+      <p:sp>
+        <p:nvSpPr>
+          <p:cNvPr id="6" name="TextBox 5">
+            <a:extLst>
+              <a:ext uri="{FF2B5EF4-FFF2-40B4-BE49-F238E27FC236}">
+                <a16:creationId xmlns:a16="http://schemas.microsoft.com/office/drawing/2014/main" id="{8887F9E2-35F8-4B80-AC44-24B397BF9348}"/>
+              </a:ext>
+            </a:extLst>
+          </p:cNvPr>
+          <p:cNvSpPr txBox="1"/>
+          <p:nvPr/>
+        </p:nvSpPr>
+        <p:spPr>
+          <a:xfrm>
+            <a:off x="6160168" y="206122"/>
+            <a:ext cx="2241885" cy="5386090"/>
+          </a:xfrm>
+          <a:prstGeom prst="rect">
+            <a:avLst/>
+          </a:prstGeom>
+          <a:noFill/>
+          <a:ln w="57150">
+            <a:solidFill>
+              <a:srgbClr val="0070C0"/>
+            </a:solidFill>
+          </a:ln>
+        </p:spPr>
+        <p:txBody>
+          <a:bodyPr wrap="square" rtlCol="0">
+            <a:spAutoFit/>
+          </a:bodyPr>
+          <a:lstStyle/>
+          <a:p>
+            <a:pPr algn="just"/>
+            <a:r>
+              <a:rPr lang="en-US" sz="5400">
+                <a:solidFill>
+                  <a:schemeClr val="accent2">
+                    <a:lumMod val="75000"/>
+                  </a:schemeClr>
+                </a:solidFill>
+              </a:rPr>
+              <a:t>B</a:t>
+            </a:r>
+            <a:r>
+              <a:rPr lang="en-US" sz="5400">
+                <a:solidFill>
+                  <a:schemeClr val="accent1">
+                    <a:lumMod val="75000"/>
+                  </a:schemeClr>
+                </a:solidFill>
+              </a:rPr>
+              <a:t> </a:t>
+            </a:r>
+            <a:r>
+              <a:rPr lang="en-US" sz="5400">
+                <a:solidFill>
+                  <a:schemeClr val="accent2">
+                    <a:lumMod val="75000"/>
+                  </a:schemeClr>
+                </a:solidFill>
+              </a:rPr>
+              <a:t>A</a:t>
+            </a:r>
+            <a:r>
+              <a:rPr lang="en-US" sz="5400">
+                <a:solidFill>
+                  <a:schemeClr val="accent1">
+                    <a:lumMod val="75000"/>
+                  </a:schemeClr>
+                </a:solidFill>
+              </a:rPr>
+              <a:t> B A </a:t>
+            </a:r>
+            <a:r>
+              <a:rPr lang="en-US" sz="5400">
+                <a:solidFill>
+                  <a:schemeClr val="accent2">
+                    <a:lumMod val="75000"/>
+                  </a:schemeClr>
+                </a:solidFill>
+              </a:rPr>
+              <a:t>B</a:t>
+            </a:r>
+            <a:r>
+              <a:rPr lang="en-US" sz="5400">
+                <a:solidFill>
+                  <a:schemeClr val="accent1">
+                    <a:lumMod val="75000"/>
+                  </a:schemeClr>
+                </a:solidFill>
+              </a:rPr>
+              <a:t> </a:t>
+            </a:r>
+            <a:r>
+              <a:rPr lang="en-US" sz="5400">
+                <a:solidFill>
+                  <a:schemeClr val="accent2">
+                    <a:lumMod val="75000"/>
+                  </a:schemeClr>
+                </a:solidFill>
+              </a:rPr>
+              <a:t>A</a:t>
+            </a:r>
+            <a:r>
+              <a:rPr lang="en-US" sz="5400">
+                <a:solidFill>
+                  <a:schemeClr val="accent1">
+                    <a:lumMod val="75000"/>
+                  </a:schemeClr>
+                </a:solidFill>
+              </a:rPr>
+              <a:t> </a:t>
+            </a:r>
+            <a:r>
+              <a:rPr lang="en-US" sz="5400" err="1">
+                <a:solidFill>
+                  <a:schemeClr val="accent1">
+                    <a:lumMod val="75000"/>
+                  </a:schemeClr>
+                </a:solidFill>
+              </a:rPr>
+              <a:t>A</a:t>
+            </a:r>
+            <a:r>
+              <a:rPr lang="en-US" sz="5400">
+                <a:solidFill>
+                  <a:schemeClr val="accent1">
+                    <a:lumMod val="75000"/>
+                  </a:schemeClr>
+                </a:solidFill>
+              </a:rPr>
+              <a:t> B </a:t>
+            </a:r>
+            <a:r>
+              <a:rPr lang="en-US" sz="5400">
+                <a:solidFill>
+                  <a:schemeClr val="accent2">
+                    <a:lumMod val="75000"/>
+                  </a:schemeClr>
+                </a:solidFill>
+              </a:rPr>
+              <a:t>B</a:t>
+            </a:r>
+            <a:r>
+              <a:rPr lang="en-US" sz="5400">
+                <a:solidFill>
+                  <a:schemeClr val="accent1">
+                    <a:lumMod val="75000"/>
+                  </a:schemeClr>
+                </a:solidFill>
+              </a:rPr>
+              <a:t> B </a:t>
+            </a:r>
+            <a:r>
+              <a:rPr lang="en-US" sz="5400">
+                <a:solidFill>
+                  <a:schemeClr val="accent2">
+                    <a:lumMod val="75000"/>
+                  </a:schemeClr>
+                </a:solidFill>
+              </a:rPr>
+              <a:t>A</a:t>
+            </a:r>
+            <a:r>
+              <a:rPr lang="en-US" sz="5400">
+                <a:solidFill>
+                  <a:schemeClr val="accent1">
+                    <a:lumMod val="75000"/>
+                  </a:schemeClr>
+                </a:solidFill>
+              </a:rPr>
+              <a:t> A </a:t>
+            </a:r>
+            <a:r>
+              <a:rPr lang="en-US" sz="5400">
+                <a:solidFill>
+                  <a:schemeClr val="accent2">
+                    <a:lumMod val="75000"/>
+                  </a:schemeClr>
+                </a:solidFill>
+              </a:rPr>
+              <a:t>B</a:t>
+            </a:r>
+            <a:r>
+              <a:rPr lang="en-US" sz="5400">
+                <a:solidFill>
+                  <a:schemeClr val="accent1">
+                    <a:lumMod val="75000"/>
+                  </a:schemeClr>
+                </a:solidFill>
+              </a:rPr>
+              <a:t> B A </a:t>
+            </a:r>
+            <a:r>
+              <a:rPr lang="en-US" sz="5400" err="1">
+                <a:solidFill>
+                  <a:schemeClr val="accent2">
+                    <a:lumMod val="75000"/>
+                  </a:schemeClr>
+                </a:solidFill>
+              </a:rPr>
+              <a:t>A</a:t>
+            </a:r>
+            <a:r>
+              <a:rPr lang="en-US" sz="5400">
+                <a:solidFill>
+                  <a:schemeClr val="accent1">
+                    <a:lumMod val="75000"/>
+                  </a:schemeClr>
+                </a:solidFill>
+              </a:rPr>
+              <a:t> </a:t>
+            </a:r>
+            <a:r>
+              <a:rPr lang="en-US" sz="5400">
+                <a:solidFill>
+                  <a:schemeClr val="accent2">
+                    <a:lumMod val="75000"/>
+                  </a:schemeClr>
+                </a:solidFill>
+              </a:rPr>
+              <a:t>B </a:t>
+            </a:r>
+            <a:r>
+              <a:rPr lang="en-US" sz="5400">
+                <a:solidFill>
+                  <a:schemeClr val="accent1">
+                    <a:lumMod val="75000"/>
+                  </a:schemeClr>
+                </a:solidFill>
+              </a:rPr>
+              <a:t>A </a:t>
+            </a:r>
+            <a:r>
+              <a:rPr lang="en-US" sz="5400">
+                <a:solidFill>
+                  <a:schemeClr val="accent2">
+                    <a:lumMod val="75000"/>
+                  </a:schemeClr>
+                </a:solidFill>
+              </a:rPr>
+              <a:t>A</a:t>
+            </a:r>
+            <a:r>
+              <a:rPr lang="en-US" sz="5400">
+                <a:solidFill>
+                  <a:schemeClr val="accent1">
+                    <a:lumMod val="75000"/>
+                  </a:schemeClr>
+                </a:solidFill>
+              </a:rPr>
+              <a:t> B </a:t>
+            </a:r>
+            <a:r>
+              <a:rPr lang="en-US" sz="5400">
+                <a:solidFill>
+                  <a:schemeClr val="accent2">
+                    <a:lumMod val="75000"/>
+                  </a:schemeClr>
+                </a:solidFill>
+              </a:rPr>
+              <a:t>B</a:t>
+            </a:r>
+            <a:r>
+              <a:rPr lang="en-US" sz="5400">
+                <a:solidFill>
+                  <a:schemeClr val="accent1">
+                    <a:lumMod val="75000"/>
+                  </a:schemeClr>
+                </a:solidFill>
+              </a:rPr>
+              <a:t> A B </a:t>
+            </a:r>
+            <a:r>
+              <a:rPr lang="en-US" sz="5400">
+                <a:solidFill>
+                  <a:schemeClr val="accent2">
+                    <a:lumMod val="75000"/>
+                  </a:schemeClr>
+                </a:solidFill>
+              </a:rPr>
+              <a:t>A</a:t>
+            </a:r>
+            <a:r>
+              <a:rPr lang="en-US" sz="5400">
+                <a:solidFill>
+                  <a:schemeClr val="accent1">
+                    <a:lumMod val="75000"/>
+                  </a:schemeClr>
+                </a:solidFill>
+              </a:rPr>
+              <a:t>  </a:t>
+            </a:r>
+            <a:r>
+              <a:rPr lang="en-US" sz="2000">
+                <a:solidFill>
+                  <a:schemeClr val="bg1"/>
+                </a:solidFill>
+              </a:rPr>
+              <a:t>a</a:t>
+            </a:r>
+            <a:endParaRPr lang="en-US" sz="5400">
+              <a:solidFill>
+                <a:schemeClr val="bg1"/>
+              </a:solidFill>
+            </a:endParaRPr>
+          </a:p>
+        </p:txBody>
+      </p:sp>
+      <p:sp>
+        <p:nvSpPr>
+          <p:cNvPr id="7" name="TextBox 6">
+            <a:extLst>
+              <a:ext uri="{FF2B5EF4-FFF2-40B4-BE49-F238E27FC236}">
+                <a16:creationId xmlns:a16="http://schemas.microsoft.com/office/drawing/2014/main" id="{78FB6AFC-D3D4-4588-9670-000B6F07CD04}"/>
+              </a:ext>
+            </a:extLst>
+          </p:cNvPr>
+          <p:cNvSpPr txBox="1"/>
+          <p:nvPr/>
+        </p:nvSpPr>
+        <p:spPr>
+          <a:xfrm>
+            <a:off x="9093868" y="206122"/>
+            <a:ext cx="2241885" cy="5386090"/>
+          </a:xfrm>
+          <a:prstGeom prst="rect">
+            <a:avLst/>
+          </a:prstGeom>
+          <a:noFill/>
+          <a:ln w="57150">
+            <a:solidFill>
+              <a:srgbClr val="0070C0"/>
+            </a:solidFill>
+          </a:ln>
+        </p:spPr>
+        <p:txBody>
+          <a:bodyPr wrap="square" rtlCol="0">
+            <a:spAutoFit/>
+          </a:bodyPr>
+          <a:lstStyle/>
+          <a:p>
+            <a:pPr algn="just"/>
+            <a:r>
+              <a:rPr lang="en-US" sz="5400">
+                <a:solidFill>
+                  <a:schemeClr val="accent1">
+                    <a:lumMod val="75000"/>
+                  </a:schemeClr>
+                </a:solidFill>
+              </a:rPr>
+              <a:t>A </a:t>
+            </a:r>
+            <a:r>
+              <a:rPr lang="en-US" sz="5400">
+                <a:solidFill>
+                  <a:schemeClr val="accent2">
+                    <a:lumMod val="75000"/>
+                  </a:schemeClr>
+                </a:solidFill>
+              </a:rPr>
+              <a:t>A</a:t>
+            </a:r>
+            <a:r>
+              <a:rPr lang="en-US" sz="5400">
+                <a:solidFill>
+                  <a:schemeClr val="accent1">
+                    <a:lumMod val="75000"/>
+                  </a:schemeClr>
+                </a:solidFill>
+              </a:rPr>
+              <a:t> </a:t>
+            </a:r>
+            <a:r>
+              <a:rPr lang="en-US" sz="5400">
+                <a:solidFill>
+                  <a:schemeClr val="accent2">
+                    <a:lumMod val="75000"/>
+                  </a:schemeClr>
+                </a:solidFill>
+              </a:rPr>
+              <a:t>B</a:t>
+            </a:r>
+            <a:r>
+              <a:rPr lang="en-US" sz="5400">
+                <a:solidFill>
+                  <a:schemeClr val="accent1">
+                    <a:lumMod val="75000"/>
+                  </a:schemeClr>
+                </a:solidFill>
+              </a:rPr>
+              <a:t> B A </a:t>
+            </a:r>
+            <a:r>
+              <a:rPr lang="en-US" sz="5400">
+                <a:solidFill>
+                  <a:schemeClr val="accent2">
+                    <a:lumMod val="75000"/>
+                  </a:schemeClr>
+                </a:solidFill>
+              </a:rPr>
+              <a:t>A</a:t>
+            </a:r>
+            <a:r>
+              <a:rPr lang="en-US" sz="5400">
+                <a:solidFill>
+                  <a:schemeClr val="accent1">
+                    <a:lumMod val="75000"/>
+                  </a:schemeClr>
+                </a:solidFill>
+              </a:rPr>
+              <a:t> </a:t>
+            </a:r>
+            <a:r>
+              <a:rPr lang="en-US" sz="5400">
+                <a:solidFill>
+                  <a:schemeClr val="accent2">
+                    <a:lumMod val="75000"/>
+                  </a:schemeClr>
+                </a:solidFill>
+              </a:rPr>
+              <a:t>B</a:t>
+            </a:r>
+            <a:r>
+              <a:rPr lang="en-US" sz="5400">
+                <a:solidFill>
+                  <a:schemeClr val="accent1">
+                    <a:lumMod val="75000"/>
+                  </a:schemeClr>
+                </a:solidFill>
+              </a:rPr>
+              <a:t> B A </a:t>
+            </a:r>
+            <a:r>
+              <a:rPr lang="en-US" sz="5400">
+                <a:solidFill>
+                  <a:schemeClr val="accent2">
+                    <a:lumMod val="75000"/>
+                  </a:schemeClr>
+                </a:solidFill>
+              </a:rPr>
+              <a:t>B</a:t>
+            </a:r>
+            <a:r>
+              <a:rPr lang="en-US" sz="5400">
+                <a:solidFill>
+                  <a:schemeClr val="accent1">
+                    <a:lumMod val="75000"/>
+                  </a:schemeClr>
+                </a:solidFill>
+              </a:rPr>
+              <a:t> </a:t>
+            </a:r>
+            <a:r>
+              <a:rPr lang="en-US" sz="5400">
+                <a:solidFill>
+                  <a:schemeClr val="accent2">
+                    <a:lumMod val="75000"/>
+                  </a:schemeClr>
+                </a:solidFill>
+              </a:rPr>
+              <a:t>A</a:t>
+            </a:r>
+            <a:r>
+              <a:rPr lang="en-US" sz="5400">
+                <a:solidFill>
+                  <a:schemeClr val="accent1">
+                    <a:lumMod val="75000"/>
+                  </a:schemeClr>
+                </a:solidFill>
+              </a:rPr>
+              <a:t> B A </a:t>
+            </a:r>
+            <a:r>
+              <a:rPr lang="en-US" sz="5400">
+                <a:solidFill>
+                  <a:schemeClr val="accent2">
+                    <a:lumMod val="75000"/>
+                  </a:schemeClr>
+                </a:solidFill>
+              </a:rPr>
+              <a:t>B</a:t>
+            </a:r>
+            <a:r>
+              <a:rPr lang="en-US" sz="5400">
+                <a:solidFill>
+                  <a:schemeClr val="accent1">
+                    <a:lumMod val="75000"/>
+                  </a:schemeClr>
+                </a:solidFill>
+              </a:rPr>
+              <a:t> B </a:t>
+            </a:r>
+            <a:r>
+              <a:rPr lang="en-US" sz="5400">
+                <a:solidFill>
+                  <a:schemeClr val="accent2">
+                    <a:lumMod val="75000"/>
+                  </a:schemeClr>
+                </a:solidFill>
+              </a:rPr>
+              <a:t>A</a:t>
+            </a:r>
+            <a:r>
+              <a:rPr lang="en-US" sz="5400">
+                <a:solidFill>
+                  <a:schemeClr val="accent1">
+                    <a:lumMod val="75000"/>
+                  </a:schemeClr>
+                </a:solidFill>
+              </a:rPr>
+              <a:t> </a:t>
+            </a:r>
+            <a:r>
+              <a:rPr lang="en-US" sz="5400" err="1">
+                <a:solidFill>
+                  <a:schemeClr val="accent1">
+                    <a:lumMod val="75000"/>
+                  </a:schemeClr>
+                </a:solidFill>
+              </a:rPr>
+              <a:t>A</a:t>
+            </a:r>
+            <a:r>
+              <a:rPr lang="en-US" sz="5400">
+                <a:solidFill>
+                  <a:schemeClr val="accent1">
+                    <a:lumMod val="75000"/>
+                  </a:schemeClr>
+                </a:solidFill>
+              </a:rPr>
+              <a:t> B </a:t>
+            </a:r>
+            <a:r>
+              <a:rPr lang="en-US" sz="5400">
+                <a:solidFill>
+                  <a:schemeClr val="accent2">
+                    <a:lumMod val="75000"/>
+                  </a:schemeClr>
+                </a:solidFill>
+              </a:rPr>
+              <a:t>B</a:t>
+            </a:r>
+            <a:r>
+              <a:rPr lang="en-US" sz="5400">
+                <a:solidFill>
+                  <a:schemeClr val="accent1">
+                    <a:lumMod val="75000"/>
+                  </a:schemeClr>
+                </a:solidFill>
+              </a:rPr>
+              <a:t> </a:t>
+            </a:r>
+            <a:r>
+              <a:rPr lang="en-US" sz="5400">
+                <a:solidFill>
+                  <a:schemeClr val="accent2">
+                    <a:lumMod val="75000"/>
+                  </a:schemeClr>
+                </a:solidFill>
+              </a:rPr>
+              <a:t>A</a:t>
+            </a:r>
+            <a:r>
+              <a:rPr lang="en-US" sz="5400">
+                <a:solidFill>
+                  <a:schemeClr val="accent1">
+                    <a:lumMod val="75000"/>
+                  </a:schemeClr>
+                </a:solidFill>
+              </a:rPr>
+              <a:t> </a:t>
+            </a:r>
+            <a:r>
+              <a:rPr lang="en-US" sz="5400" err="1">
+                <a:solidFill>
+                  <a:schemeClr val="accent1">
+                    <a:lumMod val="75000"/>
+                  </a:schemeClr>
+                </a:solidFill>
+              </a:rPr>
+              <a:t>A</a:t>
+            </a:r>
+            <a:r>
+              <a:rPr lang="en-US" sz="5400">
+                <a:solidFill>
+                  <a:schemeClr val="accent1">
+                    <a:lumMod val="75000"/>
+                  </a:schemeClr>
+                </a:solidFill>
+              </a:rPr>
+              <a:t> B </a:t>
+            </a:r>
+            <a:r>
+              <a:rPr lang="en-US" sz="5400">
+                <a:solidFill>
+                  <a:schemeClr val="accent2">
+                    <a:lumMod val="75000"/>
+                  </a:schemeClr>
+                </a:solidFill>
+              </a:rPr>
+              <a:t>A</a:t>
+            </a:r>
+            <a:r>
+              <a:rPr lang="en-US" sz="5400">
+                <a:solidFill>
+                  <a:schemeClr val="accent1">
+                    <a:lumMod val="75000"/>
+                  </a:schemeClr>
+                </a:solidFill>
+              </a:rPr>
+              <a:t> </a:t>
+            </a:r>
+            <a:r>
+              <a:rPr lang="en-US" sz="5400">
+                <a:solidFill>
+                  <a:schemeClr val="accent2">
+                    <a:lumMod val="75000"/>
+                  </a:schemeClr>
+                </a:solidFill>
+              </a:rPr>
+              <a:t>B</a:t>
+            </a:r>
+            <a:r>
+              <a:rPr lang="en-US" sz="5400">
+                <a:solidFill>
+                  <a:schemeClr val="accent1">
+                    <a:lumMod val="75000"/>
+                  </a:schemeClr>
+                </a:solidFill>
+              </a:rPr>
+              <a:t> </a:t>
+            </a:r>
+            <a:r>
+              <a:rPr lang="en-US" sz="2000">
+                <a:solidFill>
+                  <a:schemeClr val="bg1"/>
+                </a:solidFill>
+              </a:rPr>
+              <a:t>a</a:t>
+            </a:r>
+            <a:endParaRPr lang="en-US" sz="5400">
+              <a:solidFill>
+                <a:schemeClr val="bg1"/>
+              </a:solidFill>
+            </a:endParaRPr>
+          </a:p>
+        </p:txBody>
+      </p:sp>
+    </p:spTree>
+    <p:extLst>
+      <p:ext uri="{BB962C8B-B14F-4D97-AF65-F5344CB8AC3E}">
+        <p14:creationId xmlns:p14="http://schemas.microsoft.com/office/powerpoint/2010/main" val="680702700"/>
+      </p:ext>
+    </p:extLst>
+  </p:cSld>
+  <p:clrMapOvr>
+    <a:masterClrMapping/>
+  </p:clrMapOvr>
+</p:sld>
+</file>
+
+<file path=ppt/slides/slide8.xml><?xml version="1.0" encoding="utf-8"?>
+<p:sld xmlns:a="http://schemas.openxmlformats.org/drawingml/2006/main" xmlns:r="http://schemas.openxmlformats.org/officeDocument/2006/relationships" xmlns:p="http://schemas.openxmlformats.org/presentationml/2006/main">
+  <p:cSld>
+    <p:spTree>
+      <p:nvGrpSpPr>
+        <p:cNvPr id="1" name=""/>
+        <p:cNvGrpSpPr/>
+        <p:nvPr/>
+      </p:nvGrpSpPr>
+      <p:grpSpPr>
+        <a:xfrm>
+          <a:off x="0" y="0"/>
+          <a:ext cx="0" cy="0"/>
+          <a:chOff x="0" y="0"/>
+          <a:chExt cx="0" cy="0"/>
+        </a:xfrm>
+      </p:grpSpPr>
+      <mc:AlternateContent xmlns:mc="http://schemas.openxmlformats.org/markup-compatibility/2006" xmlns:a14="http://schemas.microsoft.com/office/drawing/2010/main">
+        <mc:Choice Requires="a14">
+          <p:sp>
+            <p:nvSpPr>
+              <p:cNvPr id="2" name="TextBox 1">
+                <a:extLst>
+                  <a:ext uri="{FF2B5EF4-FFF2-40B4-BE49-F238E27FC236}">
+                    <a16:creationId xmlns:a16="http://schemas.microsoft.com/office/drawing/2014/main" id="{FB32D906-3DEC-4A72-A39F-BEE5764D1B4F}"/>
+                  </a:ext>
+                </a:extLst>
+              </p:cNvPr>
+              <p:cNvSpPr txBox="1"/>
+              <p:nvPr/>
+            </p:nvSpPr>
+            <p:spPr>
+              <a:xfrm>
+                <a:off x="2834626" y="2478258"/>
+                <a:ext cx="6945619" cy="2074350"/>
+              </a:xfrm>
+              <a:prstGeom prst="rect">
+                <a:avLst/>
+              </a:prstGeom>
+              <a:noFill/>
+            </p:spPr>
+            <p:txBody>
+              <a:bodyPr wrap="none" lIns="0" tIns="0" rIns="0" bIns="0" rtlCol="0">
+                <a:spAutoFit/>
+              </a:bodyPr>
+              <a:lstStyle/>
+              <a:p>
+                <a:pPr/>
+                <a14:m>
+                  <m:oMathPara xmlns:m="http://schemas.openxmlformats.org/officeDocument/2006/math">
+                    <m:oMathParaPr>
+                      <m:jc m:val="centerGroup"/>
+                    </m:oMathParaPr>
+                    <m:oMath xmlns:m="http://schemas.openxmlformats.org/officeDocument/2006/math">
+                      <m:f>
+                        <m:fPr>
+                          <m:ctrlPr>
+                            <a:rPr lang="en-US" sz="7200" i="1" smtClean="0">
+                              <a:latin typeface="Cambria Math" panose="02040503050406030204" pitchFamily="18" charset="0"/>
+                            </a:rPr>
+                          </m:ctrlPr>
+                        </m:fPr>
+                        <m:num>
+                          <m:r>
+                            <a:rPr lang="en-US" sz="7200" b="0" i="1" smtClean="0">
+                              <a:solidFill>
+                                <a:srgbClr val="7030A0"/>
+                              </a:solidFill>
+                              <a:latin typeface="Cambria Math" panose="02040503050406030204" pitchFamily="18" charset="0"/>
+                            </a:rPr>
+                            <m:t>𝑛</m:t>
+                          </m:r>
+                          <m:r>
+                            <a:rPr lang="en-US" sz="7200" b="0" i="1" smtClean="0">
+                              <a:solidFill>
+                                <a:srgbClr val="7030A0"/>
+                              </a:solidFill>
+                              <a:latin typeface="Cambria Math" panose="02040503050406030204" pitchFamily="18" charset="0"/>
+                            </a:rPr>
+                            <m:t>!</m:t>
+                          </m:r>
+                        </m:num>
+                        <m:den>
+                          <m:r>
+                            <a:rPr lang="en-US" sz="7200" b="0" i="1" smtClean="0">
+                              <a:solidFill>
+                                <a:srgbClr val="7030A0"/>
+                              </a:solidFill>
+                              <a:latin typeface="Cambria Math" panose="02040503050406030204" pitchFamily="18" charset="0"/>
+                            </a:rPr>
+                            <m:t>𝑛</m:t>
+                          </m:r>
+                          <m:r>
+                            <a:rPr lang="en-US" sz="7200" b="0" i="1" baseline="-25000" smtClean="0">
+                              <a:solidFill>
+                                <a:srgbClr val="7030A0"/>
+                              </a:solidFill>
+                              <a:latin typeface="Cambria Math" panose="02040503050406030204" pitchFamily="18" charset="0"/>
+                            </a:rPr>
+                            <m:t>1</m:t>
+                          </m:r>
+                          <m:r>
+                            <a:rPr lang="en-US" sz="7200" b="0" i="1" smtClean="0">
+                              <a:solidFill>
+                                <a:srgbClr val="7030A0"/>
+                              </a:solidFill>
+                              <a:latin typeface="Cambria Math" panose="02040503050406030204" pitchFamily="18" charset="0"/>
+                            </a:rPr>
+                            <m:t>!</m:t>
+                          </m:r>
+                          <m:r>
+                            <a:rPr lang="en-US" sz="7200" b="0" i="1" smtClean="0">
+                              <a:latin typeface="Cambria Math" panose="02040503050406030204" pitchFamily="18" charset="0"/>
+                            </a:rPr>
+                            <m:t>∗</m:t>
+                          </m:r>
+                          <m:r>
+                            <a:rPr lang="en-US" sz="7200" b="0" i="1" smtClean="0">
+                              <a:solidFill>
+                                <a:srgbClr val="7030A0"/>
+                              </a:solidFill>
+                              <a:latin typeface="Cambria Math" panose="02040503050406030204" pitchFamily="18" charset="0"/>
+                            </a:rPr>
+                            <m:t>𝑛</m:t>
+                          </m:r>
+                          <m:r>
+                            <a:rPr lang="en-US" sz="7200" b="0" i="1" baseline="-25000" smtClean="0">
+                              <a:solidFill>
+                                <a:srgbClr val="7030A0"/>
+                              </a:solidFill>
+                              <a:latin typeface="Cambria Math" panose="02040503050406030204" pitchFamily="18" charset="0"/>
+                            </a:rPr>
+                            <m:t>2</m:t>
+                          </m:r>
+                          <m:r>
+                            <a:rPr lang="en-US" sz="7200" b="0" i="1" smtClean="0">
+                              <a:solidFill>
+                                <a:srgbClr val="7030A0"/>
+                              </a:solidFill>
+                              <a:latin typeface="Cambria Math" panose="02040503050406030204" pitchFamily="18" charset="0"/>
+                            </a:rPr>
+                            <m:t>!</m:t>
+                          </m:r>
+                          <m:r>
+                            <a:rPr lang="en-US" sz="7200" b="0" i="1" smtClean="0">
+                              <a:latin typeface="Cambria Math" panose="02040503050406030204" pitchFamily="18" charset="0"/>
+                            </a:rPr>
+                            <m:t>∗…∗</m:t>
+                          </m:r>
+                          <m:r>
+                            <a:rPr lang="en-US" sz="7200" b="0" i="1" smtClean="0">
+                              <a:solidFill>
+                                <a:srgbClr val="7030A0"/>
+                              </a:solidFill>
+                              <a:latin typeface="Cambria Math" panose="02040503050406030204" pitchFamily="18" charset="0"/>
+                            </a:rPr>
+                            <m:t>𝑛</m:t>
+                          </m:r>
+                          <m:r>
+                            <a:rPr lang="en-US" sz="7200" b="0" i="1" baseline="-25000" smtClean="0">
+                              <a:solidFill>
+                                <a:srgbClr val="7030A0"/>
+                              </a:solidFill>
+                              <a:latin typeface="Cambria Math" panose="02040503050406030204" pitchFamily="18" charset="0"/>
+                            </a:rPr>
+                            <m:t>𝑘</m:t>
+                          </m:r>
+                          <m:r>
+                            <a:rPr lang="en-US" sz="7200" b="0" i="1" smtClean="0">
+                              <a:solidFill>
+                                <a:srgbClr val="7030A0"/>
+                              </a:solidFill>
+                              <a:latin typeface="Cambria Math" panose="02040503050406030204" pitchFamily="18" charset="0"/>
+                            </a:rPr>
+                            <m:t>!</m:t>
+                          </m:r>
+                        </m:den>
+                      </m:f>
+                    </m:oMath>
+                  </m:oMathPara>
+                </a14:m>
+                <a:endParaRPr lang="en-US" sz="2000"/>
+              </a:p>
+            </p:txBody>
+          </p:sp>
+        </mc:Choice>
+        <mc:Fallback xmlns="">
+          <p:sp>
+            <p:nvSpPr>
+              <p:cNvPr id="2" name="TextBox 1">
+                <a:extLst>
+                  <a:ext uri="{FF2B5EF4-FFF2-40B4-BE49-F238E27FC236}">
+                    <a16:creationId xmlns:a16="http://schemas.microsoft.com/office/drawing/2014/main" id="{FB32D906-3DEC-4A72-A39F-BEE5764D1B4F}"/>
+                  </a:ext>
+                </a:extLst>
+              </p:cNvPr>
+              <p:cNvSpPr txBox="1">
+                <a:spLocks noRot="1" noChangeAspect="1" noMove="1" noResize="1" noEditPoints="1" noAdjustHandles="1" noChangeArrowheads="1" noChangeShapeType="1" noTextEdit="1"/>
+              </p:cNvSpPr>
+              <p:nvPr/>
+            </p:nvSpPr>
+            <p:spPr>
+              <a:xfrm>
+                <a:off x="2834626" y="2478258"/>
+                <a:ext cx="6945619" cy="2074350"/>
+              </a:xfrm>
+              <a:prstGeom prst="rect">
+                <a:avLst/>
+              </a:prstGeom>
+              <a:blipFill>
+                <a:blip r:embed="rId2"/>
+                <a:stretch>
+                  <a:fillRect b="-9706"/>
+                </a:stretch>
+              </a:blipFill>
+            </p:spPr>
+            <p:txBody>
+              <a:bodyPr/>
+              <a:lstStyle/>
+              <a:p>
+                <a:r>
+                  <a:rPr lang="en-US">
+                    <a:noFill/>
+                  </a:rPr>
+                  <a:t> </a:t>
+                </a:r>
+              </a:p>
+            </p:txBody>
+          </p:sp>
+        </mc:Fallback>
+      </mc:AlternateContent>
+    </p:spTree>
+    <p:extLst>
+      <p:ext uri="{BB962C8B-B14F-4D97-AF65-F5344CB8AC3E}">
+        <p14:creationId xmlns:p14="http://schemas.microsoft.com/office/powerpoint/2010/main" val="3544757157"/>
+      </p:ext>
+    </p:extLst>
+  </p:cSld>
+  <p:clrMapOvr>
+    <a:masterClrMapping/>
+  </p:clrMapOvr>
+</p:sld>
+</file>
+
+<file path=ppt/slides/slide9.xml><?xml version="1.0" encoding="utf-8"?>
+<p:sld xmlns:a="http://schemas.openxmlformats.org/drawingml/2006/main" xmlns:r="http://schemas.openxmlformats.org/officeDocument/2006/relationships" xmlns:p="http://schemas.openxmlformats.org/presentationml/2006/main">
+  <p:cSld>
+    <p:spTree>
+      <p:nvGrpSpPr>
+        <p:cNvPr id="1" name=""/>
+        <p:cNvGrpSpPr/>
+        <p:nvPr/>
+      </p:nvGrpSpPr>
+      <p:grpSpPr>
+        <a:xfrm>
+          <a:off x="0" y="0"/>
+          <a:ext cx="0" cy="0"/>
+          <a:chOff x="0" y="0"/>
+          <a:chExt cx="0" cy="0"/>
+        </a:xfrm>
+      </p:grpSpPr>
+      <p:sp>
+        <p:nvSpPr>
+          <p:cNvPr id="2" name="TextBox 1">
+            <a:extLst>
+              <a:ext uri="{FF2B5EF4-FFF2-40B4-BE49-F238E27FC236}">
+                <a16:creationId xmlns:a16="http://schemas.microsoft.com/office/drawing/2014/main" id="{BBFFE20F-B1A8-4325-87FD-7F47B27C642F}"/>
+              </a:ext>
+            </a:extLst>
+          </p:cNvPr>
+          <p:cNvSpPr txBox="1"/>
+          <p:nvPr/>
+        </p:nvSpPr>
+        <p:spPr>
+          <a:xfrm>
+            <a:off x="757036" y="1833102"/>
+            <a:ext cx="522839" cy="2800767"/>
+          </a:xfrm>
+          <a:prstGeom prst="rect">
+            <a:avLst/>
+          </a:prstGeom>
+          <a:noFill/>
+          <a:ln w="38100">
+            <a:solidFill>
+              <a:schemeClr val="tx1"/>
+            </a:solidFill>
+          </a:ln>
+        </p:spPr>
+        <p:txBody>
+          <a:bodyPr wrap="square" rtlCol="0">
+            <a:spAutoFit/>
+          </a:bodyPr>
+          <a:lstStyle/>
+          <a:p>
+            <a:pPr algn="ctr"/>
+            <a:r>
+              <a:rPr lang="en-US" sz="4400" b="1"/>
+              <a:t>X B Y B</a:t>
+            </a:r>
+          </a:p>
+        </p:txBody>
+      </p:sp>
+      <p:sp>
+        <p:nvSpPr>
+          <p:cNvPr id="14" name="TextBox 13">
+            <a:extLst>
+              <a:ext uri="{FF2B5EF4-FFF2-40B4-BE49-F238E27FC236}">
+                <a16:creationId xmlns:a16="http://schemas.microsoft.com/office/drawing/2014/main" id="{BD14C199-60F3-41B6-A342-2B33F73B70DB}"/>
+              </a:ext>
+            </a:extLst>
+          </p:cNvPr>
+          <p:cNvSpPr txBox="1"/>
+          <p:nvPr/>
+        </p:nvSpPr>
+        <p:spPr>
+          <a:xfrm>
+            <a:off x="2822041" y="1778769"/>
+            <a:ext cx="463057" cy="2232021"/>
+          </a:xfrm>
+          <a:prstGeom prst="rect">
+            <a:avLst/>
+          </a:prstGeom>
+          <a:noFill/>
+          <a:ln w="38100">
+            <a:solidFill>
+              <a:schemeClr val="tx1"/>
+            </a:solidFill>
+          </a:ln>
+        </p:spPr>
+        <p:txBody>
+          <a:bodyPr wrap="square" rtlCol="0">
+            <a:spAutoFit/>
+          </a:bodyPr>
+          <a:lstStyle/>
+          <a:p>
+            <a:pPr algn="ctr">
+              <a:lnSpc>
+                <a:spcPct val="150000"/>
+              </a:lnSpc>
+            </a:pPr>
+            <a:r>
+              <a:rPr lang="en-US" sz="3200" b="1"/>
+              <a:t>X</a:t>
+            </a:r>
+          </a:p>
+          <a:p>
+            <a:pPr algn="ctr">
+              <a:lnSpc>
+                <a:spcPct val="150000"/>
+              </a:lnSpc>
+            </a:pPr>
+            <a:r>
+              <a:rPr lang="en-US" sz="3200" b="1"/>
+              <a:t>Y B</a:t>
+            </a:r>
+          </a:p>
+        </p:txBody>
+      </p:sp>
+      <p:cxnSp>
+        <p:nvCxnSpPr>
+          <p:cNvPr id="18" name="Straight Connector 17">
+            <a:extLst>
+              <a:ext uri="{FF2B5EF4-FFF2-40B4-BE49-F238E27FC236}">
+                <a16:creationId xmlns:a16="http://schemas.microsoft.com/office/drawing/2014/main" id="{71CEDE61-DC60-442E-BDAB-E0B85EA2F91B}"/>
+              </a:ext>
+            </a:extLst>
+          </p:cNvPr>
+          <p:cNvCxnSpPr>
+            <a:cxnSpLocks/>
+          </p:cNvCxnSpPr>
+          <p:nvPr/>
+        </p:nvCxnSpPr>
+        <p:spPr>
+          <a:xfrm>
+            <a:off x="3335216" y="3814334"/>
+            <a:ext cx="1273990" cy="292171"/>
+          </a:xfrm>
+          <a:prstGeom prst="line">
+            <a:avLst/>
+          </a:prstGeom>
+          <a:ln w="38100"/>
+        </p:spPr>
+        <p:style>
+          <a:lnRef idx="1">
+            <a:schemeClr val="dk1"/>
+          </a:lnRef>
+          <a:fillRef idx="0">
+            <a:schemeClr val="dk1"/>
+          </a:fillRef>
+          <a:effectRef idx="0">
+            <a:schemeClr val="dk1"/>
+          </a:effectRef>
+          <a:fontRef idx="minor">
+            <a:schemeClr val="tx1"/>
+          </a:fontRef>
+        </p:style>
+      </p:cxnSp>
+      <p:sp>
+        <p:nvSpPr>
+          <p:cNvPr id="27" name="TextBox 26">
+            <a:extLst>
+              <a:ext uri="{FF2B5EF4-FFF2-40B4-BE49-F238E27FC236}">
+                <a16:creationId xmlns:a16="http://schemas.microsoft.com/office/drawing/2014/main" id="{668BB15F-0A28-4C3B-9D92-12C5EA5676A8}"/>
+              </a:ext>
+            </a:extLst>
+          </p:cNvPr>
+          <p:cNvSpPr txBox="1"/>
+          <p:nvPr/>
+        </p:nvSpPr>
+        <p:spPr>
+          <a:xfrm>
+            <a:off x="4714860" y="3253313"/>
+            <a:ext cx="398587" cy="1318181"/>
+          </a:xfrm>
+          <a:prstGeom prst="rect">
+            <a:avLst/>
+          </a:prstGeom>
+          <a:noFill/>
+          <a:ln w="38100">
+            <a:solidFill>
+              <a:schemeClr val="tx1"/>
+            </a:solidFill>
+          </a:ln>
+        </p:spPr>
+        <p:txBody>
+          <a:bodyPr wrap="square" rtlCol="0">
+            <a:spAutoFit/>
+          </a:bodyPr>
+          <a:lstStyle/>
+          <a:p>
+            <a:pPr algn="ctr">
+              <a:lnSpc>
+                <a:spcPct val="150000"/>
+              </a:lnSpc>
+            </a:pPr>
+            <a:r>
+              <a:rPr lang="en-US" sz="2800" b="1"/>
+              <a:t>X</a:t>
+            </a:r>
+          </a:p>
+          <a:p>
+            <a:pPr algn="ctr">
+              <a:lnSpc>
+                <a:spcPct val="150000"/>
+              </a:lnSpc>
+            </a:pPr>
+            <a:r>
+              <a:rPr lang="en-US" sz="2800" b="1"/>
+              <a:t>Y</a:t>
+            </a:r>
+          </a:p>
+        </p:txBody>
+      </p:sp>
+      <p:cxnSp>
+        <p:nvCxnSpPr>
+          <p:cNvPr id="4" name="Straight Connector 3">
+            <a:extLst>
+              <a:ext uri="{FF2B5EF4-FFF2-40B4-BE49-F238E27FC236}">
+                <a16:creationId xmlns:a16="http://schemas.microsoft.com/office/drawing/2014/main" id="{C589B5C5-7B11-48E1-9E26-2AEF6D4E74FC}"/>
+              </a:ext>
+            </a:extLst>
+          </p:cNvPr>
+          <p:cNvCxnSpPr>
+            <a:cxnSpLocks/>
+          </p:cNvCxnSpPr>
+          <p:nvPr/>
+        </p:nvCxnSpPr>
+        <p:spPr>
+          <a:xfrm flipV="1">
+            <a:off x="1314457" y="2185467"/>
+            <a:ext cx="1465070" cy="684458"/>
+          </a:xfrm>
+          <a:prstGeom prst="line">
+            <a:avLst/>
+          </a:prstGeom>
+          <a:ln w="38100"/>
+        </p:spPr>
+        <p:style>
+          <a:lnRef idx="1">
+            <a:schemeClr val="dk1"/>
+          </a:lnRef>
+          <a:fillRef idx="0">
+            <a:schemeClr val="dk1"/>
+          </a:fillRef>
+          <a:effectRef idx="0">
+            <a:schemeClr val="dk1"/>
+          </a:effectRef>
+          <a:fontRef idx="minor">
+            <a:schemeClr val="tx1"/>
+          </a:fontRef>
+        </p:style>
+      </p:cxnSp>
+      <p:cxnSp>
+        <p:nvCxnSpPr>
+          <p:cNvPr id="5" name="Straight Connector 4">
+            <a:extLst>
+              <a:ext uri="{FF2B5EF4-FFF2-40B4-BE49-F238E27FC236}">
+                <a16:creationId xmlns:a16="http://schemas.microsoft.com/office/drawing/2014/main" id="{85C21DF6-B612-4C40-8EB4-DB8B0B125339}"/>
+              </a:ext>
+            </a:extLst>
+          </p:cNvPr>
+          <p:cNvCxnSpPr>
+            <a:cxnSpLocks/>
+          </p:cNvCxnSpPr>
+          <p:nvPr/>
+        </p:nvCxnSpPr>
+        <p:spPr>
+          <a:xfrm>
+            <a:off x="1314457" y="2883750"/>
+            <a:ext cx="1412040" cy="862061"/>
+          </a:xfrm>
+          <a:prstGeom prst="line">
+            <a:avLst/>
+          </a:prstGeom>
+          <a:ln w="38100"/>
+        </p:spPr>
+        <p:style>
+          <a:lnRef idx="1">
+            <a:schemeClr val="dk1"/>
+          </a:lnRef>
+          <a:fillRef idx="0">
+            <a:schemeClr val="dk1"/>
+          </a:fillRef>
+          <a:effectRef idx="0">
+            <a:schemeClr val="dk1"/>
+          </a:effectRef>
+          <a:fontRef idx="minor">
+            <a:schemeClr val="tx1"/>
+          </a:fontRef>
+        </p:style>
+      </p:cxnSp>
+      <p:cxnSp>
+        <p:nvCxnSpPr>
+          <p:cNvPr id="8" name="Straight Connector 7">
+            <a:extLst>
+              <a:ext uri="{FF2B5EF4-FFF2-40B4-BE49-F238E27FC236}">
+                <a16:creationId xmlns:a16="http://schemas.microsoft.com/office/drawing/2014/main" id="{3EA1AD90-5932-4E10-BDE6-10B66623670C}"/>
+              </a:ext>
+            </a:extLst>
+          </p:cNvPr>
+          <p:cNvCxnSpPr>
+            <a:cxnSpLocks/>
+          </p:cNvCxnSpPr>
+          <p:nvPr/>
+        </p:nvCxnSpPr>
+        <p:spPr>
+          <a:xfrm>
+            <a:off x="1314457" y="2876837"/>
+            <a:ext cx="1457896" cy="0"/>
+          </a:xfrm>
+          <a:prstGeom prst="line">
+            <a:avLst/>
+          </a:prstGeom>
+          <a:ln w="38100"/>
+        </p:spPr>
+        <p:style>
+          <a:lnRef idx="1">
+            <a:schemeClr val="dk1"/>
+          </a:lnRef>
+          <a:fillRef idx="0">
+            <a:schemeClr val="dk1"/>
+          </a:fillRef>
+          <a:effectRef idx="0">
+            <a:schemeClr val="dk1"/>
+          </a:effectRef>
+          <a:fontRef idx="minor">
+            <a:schemeClr val="tx1"/>
+          </a:fontRef>
+        </p:style>
+      </p:cxnSp>
+      <p:sp>
+        <p:nvSpPr>
+          <p:cNvPr id="54" name="Right Bracket 53">
+            <a:extLst>
+              <a:ext uri="{FF2B5EF4-FFF2-40B4-BE49-F238E27FC236}">
+                <a16:creationId xmlns:a16="http://schemas.microsoft.com/office/drawing/2014/main" id="{2F0B88C4-7F0C-4C68-98C5-67BE7499EC8F}"/>
+              </a:ext>
+            </a:extLst>
+          </p:cNvPr>
+          <p:cNvSpPr/>
+          <p:nvPr/>
+        </p:nvSpPr>
+        <p:spPr>
+          <a:xfrm rot="5400000">
+            <a:off x="2779373" y="3413700"/>
+            <a:ext cx="364915" cy="5639964"/>
+          </a:xfrm>
+          <a:prstGeom prst="rightBracket">
+            <a:avLst>
+              <a:gd name="adj" fmla="val 72484"/>
+            </a:avLst>
+          </a:prstGeom>
+          <a:ln w="38100">
+            <a:solidFill>
+              <a:schemeClr val="tx1"/>
+            </a:solidFill>
+          </a:ln>
+        </p:spPr>
+        <p:style>
+          <a:lnRef idx="1">
+            <a:schemeClr val="accent1"/>
+          </a:lnRef>
+          <a:fillRef idx="0">
+            <a:schemeClr val="accent1"/>
+          </a:fillRef>
+          <a:effectRef idx="0">
+            <a:schemeClr val="accent1"/>
+          </a:effectRef>
+          <a:fontRef idx="minor">
+            <a:schemeClr val="tx1"/>
+          </a:fontRef>
+        </p:style>
+        <p:txBody>
+          <a:bodyPr rtlCol="0" anchor="ctr"/>
+          <a:lstStyle/>
+          <a:p>
+            <a:pPr algn="ctr"/>
+            <a:endParaRPr lang="en-US"/>
+          </a:p>
+        </p:txBody>
+      </p:sp>
+      <p:sp>
+        <p:nvSpPr>
+          <p:cNvPr id="56" name="Right Bracket 55">
+            <a:extLst>
+              <a:ext uri="{FF2B5EF4-FFF2-40B4-BE49-F238E27FC236}">
+                <a16:creationId xmlns:a16="http://schemas.microsoft.com/office/drawing/2014/main" id="{BCB3E7A2-2632-4EFD-94FE-BBD5B7B9EF14}"/>
+              </a:ext>
+            </a:extLst>
+          </p:cNvPr>
+          <p:cNvSpPr/>
+          <p:nvPr/>
+        </p:nvSpPr>
+        <p:spPr>
+          <a:xfrm rot="5400000">
+            <a:off x="1982368" y="3803499"/>
+            <a:ext cx="325902" cy="3356311"/>
+          </a:xfrm>
+          <a:prstGeom prst="rightBracket">
+            <a:avLst>
+              <a:gd name="adj" fmla="val 72484"/>
+            </a:avLst>
+          </a:prstGeom>
+          <a:ln w="38100">
+            <a:solidFill>
+              <a:schemeClr val="tx1">
+                <a:lumMod val="65000"/>
+                <a:lumOff val="35000"/>
+              </a:schemeClr>
+            </a:solidFill>
+          </a:ln>
+        </p:spPr>
+        <p:style>
+          <a:lnRef idx="1">
+            <a:schemeClr val="accent1"/>
+          </a:lnRef>
+          <a:fillRef idx="0">
+            <a:schemeClr val="accent1"/>
+          </a:fillRef>
+          <a:effectRef idx="0">
+            <a:schemeClr val="accent1"/>
+          </a:effectRef>
+          <a:fontRef idx="minor">
+            <a:schemeClr val="tx1"/>
+          </a:fontRef>
+        </p:style>
+        <p:txBody>
+          <a:bodyPr rtlCol="0" anchor="ctr"/>
+          <a:lstStyle/>
+          <a:p>
+            <a:pPr algn="ctr"/>
+            <a:endParaRPr lang="en-US"/>
+          </a:p>
+        </p:txBody>
+      </p:sp>
+      <p:sp>
+        <p:nvSpPr>
+          <p:cNvPr id="57" name="TextBox 56">
+            <a:extLst>
+              <a:ext uri="{FF2B5EF4-FFF2-40B4-BE49-F238E27FC236}">
+                <a16:creationId xmlns:a16="http://schemas.microsoft.com/office/drawing/2014/main" id="{6599DD76-1451-4143-B3E1-94C7C45B881A}"/>
+              </a:ext>
+            </a:extLst>
+          </p:cNvPr>
+          <p:cNvSpPr txBox="1"/>
+          <p:nvPr/>
+        </p:nvSpPr>
+        <p:spPr>
+          <a:xfrm>
+            <a:off x="379828" y="5005187"/>
+            <a:ext cx="3530982" cy="646331"/>
+          </a:xfrm>
+          <a:prstGeom prst="rect">
+            <a:avLst/>
+          </a:prstGeom>
+          <a:noFill/>
+          <a:ln>
+            <a:noFill/>
+          </a:ln>
+        </p:spPr>
+        <p:txBody>
+          <a:bodyPr wrap="square" rtlCol="0">
+            <a:spAutoFit/>
+          </a:bodyPr>
+          <a:lstStyle/>
+          <a:p>
+            <a:pPr algn="ctr"/>
+            <a:r>
+              <a:rPr lang="en-US" sz="3600" b="1">
+                <a:solidFill>
+                  <a:schemeClr val="tx1">
+                    <a:lumMod val="65000"/>
+                    <a:lumOff val="35000"/>
+                  </a:schemeClr>
+                </a:solidFill>
+              </a:rPr>
+              <a:t>12 arrangements</a:t>
+            </a:r>
+          </a:p>
+        </p:txBody>
+      </p:sp>
+      <p:sp>
+        <p:nvSpPr>
+          <p:cNvPr id="59" name="TextBox 58">
+            <a:extLst>
+              <a:ext uri="{FF2B5EF4-FFF2-40B4-BE49-F238E27FC236}">
+                <a16:creationId xmlns:a16="http://schemas.microsoft.com/office/drawing/2014/main" id="{7E45842B-BC46-44F7-8EF6-96DA77BAEB8C}"/>
+              </a:ext>
+            </a:extLst>
+          </p:cNvPr>
+          <p:cNvSpPr txBox="1"/>
+          <p:nvPr/>
+        </p:nvSpPr>
+        <p:spPr>
+          <a:xfrm>
+            <a:off x="1154569" y="5777889"/>
+            <a:ext cx="4123003" cy="707886"/>
+          </a:xfrm>
+          <a:prstGeom prst="rect">
+            <a:avLst/>
+          </a:prstGeom>
+          <a:noFill/>
+        </p:spPr>
+        <p:txBody>
+          <a:bodyPr wrap="square" rtlCol="0">
+            <a:spAutoFit/>
+          </a:bodyPr>
+          <a:lstStyle/>
+          <a:p>
+            <a:pPr algn="ctr"/>
+            <a:r>
+              <a:rPr lang="en-US" sz="4000" b="1"/>
+              <a:t>24 arrangements</a:t>
+            </a:r>
+          </a:p>
+        </p:txBody>
+      </p:sp>
+      <p:cxnSp>
+        <p:nvCxnSpPr>
+          <p:cNvPr id="61" name="Straight Connector 60">
+            <a:extLst>
+              <a:ext uri="{FF2B5EF4-FFF2-40B4-BE49-F238E27FC236}">
+                <a16:creationId xmlns:a16="http://schemas.microsoft.com/office/drawing/2014/main" id="{0000ADAA-4ED0-43D1-A6CF-6EDD21C3C437}"/>
+              </a:ext>
+            </a:extLst>
+          </p:cNvPr>
+          <p:cNvCxnSpPr>
+            <a:cxnSpLocks/>
+          </p:cNvCxnSpPr>
+          <p:nvPr/>
+        </p:nvCxnSpPr>
+        <p:spPr>
+          <a:xfrm flipH="1" flipV="1">
+            <a:off x="441962" y="309490"/>
+            <a:ext cx="25201" cy="5009213"/>
+          </a:xfrm>
+          <a:prstGeom prst="line">
+            <a:avLst/>
+          </a:prstGeom>
+          <a:ln w="28575">
+            <a:solidFill>
+              <a:schemeClr val="tx1">
+                <a:lumMod val="65000"/>
+                <a:lumOff val="35000"/>
+              </a:schemeClr>
+            </a:solidFill>
+            <a:prstDash val="dash"/>
+          </a:ln>
+        </p:spPr>
+        <p:style>
+          <a:lnRef idx="1">
+            <a:schemeClr val="accent1"/>
+          </a:lnRef>
+          <a:fillRef idx="0">
+            <a:schemeClr val="accent1"/>
+          </a:fillRef>
+          <a:effectRef idx="0">
+            <a:schemeClr val="accent1"/>
+          </a:effectRef>
+          <a:fontRef idx="minor">
+            <a:schemeClr val="tx1"/>
+          </a:fontRef>
+        </p:style>
+      </p:cxnSp>
+      <p:cxnSp>
+        <p:nvCxnSpPr>
+          <p:cNvPr id="63" name="Straight Connector 62">
+            <a:extLst>
+              <a:ext uri="{FF2B5EF4-FFF2-40B4-BE49-F238E27FC236}">
+                <a16:creationId xmlns:a16="http://schemas.microsoft.com/office/drawing/2014/main" id="{39B8FD3A-9EEA-48CF-A671-A96CB2378528}"/>
+              </a:ext>
+            </a:extLst>
+          </p:cNvPr>
+          <p:cNvCxnSpPr>
+            <a:cxnSpLocks/>
+          </p:cNvCxnSpPr>
+          <p:nvPr/>
+        </p:nvCxnSpPr>
+        <p:spPr>
+          <a:xfrm flipV="1">
+            <a:off x="5781813" y="419789"/>
+            <a:ext cx="0" cy="5687328"/>
+          </a:xfrm>
+          <a:prstGeom prst="line">
+            <a:avLst/>
+          </a:prstGeom>
+          <a:ln w="38100">
+            <a:solidFill>
+              <a:schemeClr val="tx1"/>
+            </a:solidFill>
+            <a:prstDash val="dash"/>
+          </a:ln>
+        </p:spPr>
+        <p:style>
+          <a:lnRef idx="1">
+            <a:schemeClr val="accent1"/>
+          </a:lnRef>
+          <a:fillRef idx="0">
+            <a:schemeClr val="accent1"/>
+          </a:fillRef>
+          <a:effectRef idx="0">
+            <a:schemeClr val="accent1"/>
+          </a:effectRef>
+          <a:fontRef idx="minor">
+            <a:schemeClr val="tx1"/>
+          </a:fontRef>
+        </p:style>
+      </p:cxnSp>
+      <p:cxnSp>
+        <p:nvCxnSpPr>
+          <p:cNvPr id="66" name="Straight Connector 65">
+            <a:extLst>
+              <a:ext uri="{FF2B5EF4-FFF2-40B4-BE49-F238E27FC236}">
+                <a16:creationId xmlns:a16="http://schemas.microsoft.com/office/drawing/2014/main" id="{4D44FDC5-DDE6-45DA-B20A-29629A53D3A5}"/>
+              </a:ext>
+            </a:extLst>
+          </p:cNvPr>
+          <p:cNvCxnSpPr>
+            <a:cxnSpLocks/>
+          </p:cNvCxnSpPr>
+          <p:nvPr/>
+        </p:nvCxnSpPr>
+        <p:spPr>
+          <a:xfrm flipV="1">
+            <a:off x="141849" y="393895"/>
+            <a:ext cx="0" cy="5687328"/>
+          </a:xfrm>
+          <a:prstGeom prst="line">
+            <a:avLst/>
+          </a:prstGeom>
+          <a:ln w="38100">
+            <a:solidFill>
+              <a:schemeClr val="tx1"/>
+            </a:solidFill>
+            <a:prstDash val="dash"/>
+          </a:ln>
+        </p:spPr>
+        <p:style>
+          <a:lnRef idx="1">
+            <a:schemeClr val="accent1"/>
+          </a:lnRef>
+          <a:fillRef idx="0">
+            <a:schemeClr val="accent1"/>
+          </a:fillRef>
+          <a:effectRef idx="0">
+            <a:schemeClr val="accent1"/>
+          </a:effectRef>
+          <a:fontRef idx="minor">
+            <a:schemeClr val="tx1"/>
+          </a:fontRef>
+        </p:style>
+      </p:cxnSp>
+      <p:cxnSp>
+        <p:nvCxnSpPr>
+          <p:cNvPr id="17" name="Straight Connector 16">
+            <a:extLst>
+              <a:ext uri="{FF2B5EF4-FFF2-40B4-BE49-F238E27FC236}">
+                <a16:creationId xmlns:a16="http://schemas.microsoft.com/office/drawing/2014/main" id="{CC8A50E7-D08A-4485-A544-964851E6FC40}"/>
+              </a:ext>
+            </a:extLst>
+          </p:cNvPr>
+          <p:cNvCxnSpPr>
+            <a:cxnSpLocks/>
+          </p:cNvCxnSpPr>
+          <p:nvPr/>
+        </p:nvCxnSpPr>
+        <p:spPr>
+          <a:xfrm flipV="1">
+            <a:off x="3335216" y="3550358"/>
+            <a:ext cx="1262284" cy="257065"/>
+          </a:xfrm>
+          <a:prstGeom prst="line">
+            <a:avLst/>
+          </a:prstGeom>
+          <a:ln w="38100"/>
+        </p:spPr>
+        <p:style>
+          <a:lnRef idx="1">
+            <a:schemeClr val="dk1"/>
+          </a:lnRef>
+          <a:fillRef idx="0">
+            <a:schemeClr val="dk1"/>
+          </a:fillRef>
+          <a:effectRef idx="0">
+            <a:schemeClr val="dk1"/>
+          </a:effectRef>
+          <a:fontRef idx="minor">
+            <a:schemeClr val="tx1"/>
+          </a:fontRef>
+        </p:style>
+      </p:cxnSp>
+      <p:cxnSp>
+        <p:nvCxnSpPr>
+          <p:cNvPr id="62" name="Straight Connector 61">
+            <a:extLst>
+              <a:ext uri="{FF2B5EF4-FFF2-40B4-BE49-F238E27FC236}">
+                <a16:creationId xmlns:a16="http://schemas.microsoft.com/office/drawing/2014/main" id="{79AB8176-9868-48D5-98A0-E5111BF584F5}"/>
+              </a:ext>
+            </a:extLst>
+          </p:cNvPr>
+          <p:cNvCxnSpPr>
+            <a:cxnSpLocks/>
+            <a:stCxn id="56" idx="0"/>
+          </p:cNvCxnSpPr>
+          <p:nvPr/>
+        </p:nvCxnSpPr>
+        <p:spPr>
+          <a:xfrm flipH="1" flipV="1">
+            <a:off x="3818205" y="906080"/>
+            <a:ext cx="5270" cy="4412624"/>
+          </a:xfrm>
+          <a:prstGeom prst="line">
+            <a:avLst/>
+          </a:prstGeom>
+          <a:ln w="28575">
+            <a:solidFill>
+              <a:schemeClr val="tx1">
+                <a:lumMod val="65000"/>
+                <a:lumOff val="35000"/>
+              </a:schemeClr>
+            </a:solidFill>
+            <a:prstDash val="dash"/>
+          </a:ln>
+        </p:spPr>
+        <p:style>
+          <a:lnRef idx="1">
+            <a:schemeClr val="accent1"/>
+          </a:lnRef>
+          <a:fillRef idx="0">
+            <a:schemeClr val="accent1"/>
+          </a:fillRef>
+          <a:effectRef idx="0">
+            <a:schemeClr val="accent1"/>
+          </a:effectRef>
+          <a:fontRef idx="minor">
+            <a:schemeClr val="tx1"/>
+          </a:fontRef>
+        </p:style>
+      </p:cxnSp>
+      <p:sp>
+        <p:nvSpPr>
+          <p:cNvPr id="103" name="TextBox 102">
+            <a:extLst>
+              <a:ext uri="{FF2B5EF4-FFF2-40B4-BE49-F238E27FC236}">
+                <a16:creationId xmlns:a16="http://schemas.microsoft.com/office/drawing/2014/main" id="{C7CC68E2-0749-40B1-BA7C-19411921435E}"/>
+              </a:ext>
+            </a:extLst>
+          </p:cNvPr>
+          <p:cNvSpPr txBox="1"/>
+          <p:nvPr/>
+        </p:nvSpPr>
+        <p:spPr>
+          <a:xfrm>
+            <a:off x="6775665" y="1872958"/>
+            <a:ext cx="522839" cy="2800767"/>
+          </a:xfrm>
+          <a:prstGeom prst="rect">
+            <a:avLst/>
+          </a:prstGeom>
+          <a:noFill/>
+          <a:ln w="38100">
+            <a:solidFill>
+              <a:schemeClr val="tx1"/>
+            </a:solidFill>
+          </a:ln>
+        </p:spPr>
+        <p:txBody>
+          <a:bodyPr wrap="square" rtlCol="0">
+            <a:spAutoFit/>
+          </a:bodyPr>
+          <a:lstStyle/>
+          <a:p>
+            <a:pPr algn="ctr"/>
+            <a:r>
+              <a:rPr lang="en-US" sz="4400" b="1"/>
+              <a:t>X B Y B</a:t>
+            </a:r>
+          </a:p>
+        </p:txBody>
+      </p:sp>
+      <p:sp>
+        <p:nvSpPr>
+          <p:cNvPr id="104" name="TextBox 103">
+            <a:extLst>
+              <a:ext uri="{FF2B5EF4-FFF2-40B4-BE49-F238E27FC236}">
+                <a16:creationId xmlns:a16="http://schemas.microsoft.com/office/drawing/2014/main" id="{EF338E0B-74A2-4E62-A8E7-644BBC781498}"/>
+              </a:ext>
+            </a:extLst>
+          </p:cNvPr>
+          <p:cNvSpPr txBox="1"/>
+          <p:nvPr/>
+        </p:nvSpPr>
+        <p:spPr>
+          <a:xfrm>
+            <a:off x="8856060" y="2474203"/>
+            <a:ext cx="463057" cy="2232021"/>
+          </a:xfrm>
+          <a:prstGeom prst="rect">
+            <a:avLst/>
+          </a:prstGeom>
+          <a:noFill/>
+          <a:ln w="38100">
+            <a:solidFill>
+              <a:schemeClr val="tx1"/>
+            </a:solidFill>
+          </a:ln>
+        </p:spPr>
+        <p:txBody>
+          <a:bodyPr wrap="square" rtlCol="0">
+            <a:spAutoFit/>
+          </a:bodyPr>
+          <a:lstStyle/>
+          <a:p>
+            <a:pPr algn="ctr">
+              <a:lnSpc>
+                <a:spcPct val="150000"/>
+              </a:lnSpc>
+            </a:pPr>
+            <a:r>
+              <a:rPr lang="en-US" sz="3200" b="1"/>
+              <a:t>X</a:t>
+            </a:r>
+          </a:p>
+          <a:p>
+            <a:pPr algn="ctr">
+              <a:lnSpc>
+                <a:spcPct val="150000"/>
+              </a:lnSpc>
+            </a:pPr>
+            <a:r>
+              <a:rPr lang="en-US" sz="3200" b="1"/>
+              <a:t>B B</a:t>
+            </a:r>
+          </a:p>
+        </p:txBody>
+      </p:sp>
+      <p:cxnSp>
+        <p:nvCxnSpPr>
+          <p:cNvPr id="105" name="Straight Connector 104">
+            <a:extLst>
+              <a:ext uri="{FF2B5EF4-FFF2-40B4-BE49-F238E27FC236}">
+                <a16:creationId xmlns:a16="http://schemas.microsoft.com/office/drawing/2014/main" id="{EEFC6939-51F4-4423-8B47-69E149514ADB}"/>
+              </a:ext>
+            </a:extLst>
+          </p:cNvPr>
+          <p:cNvCxnSpPr>
+            <a:cxnSpLocks/>
+          </p:cNvCxnSpPr>
+          <p:nvPr/>
+        </p:nvCxnSpPr>
+        <p:spPr>
+          <a:xfrm>
+            <a:off x="9326524" y="2959493"/>
+            <a:ext cx="1273990" cy="292171"/>
+          </a:xfrm>
+          <a:prstGeom prst="line">
+            <a:avLst/>
+          </a:prstGeom>
+          <a:ln w="38100"/>
+        </p:spPr>
+        <p:style>
+          <a:lnRef idx="1">
+            <a:schemeClr val="dk1"/>
+          </a:lnRef>
+          <a:fillRef idx="0">
+            <a:schemeClr val="dk1"/>
+          </a:fillRef>
+          <a:effectRef idx="0">
+            <a:schemeClr val="dk1"/>
+          </a:effectRef>
+          <a:fontRef idx="minor">
+            <a:schemeClr val="tx1"/>
+          </a:fontRef>
+        </p:style>
+      </p:cxnSp>
+      <p:sp>
+        <p:nvSpPr>
+          <p:cNvPr id="106" name="TextBox 105">
+            <a:extLst>
+              <a:ext uri="{FF2B5EF4-FFF2-40B4-BE49-F238E27FC236}">
+                <a16:creationId xmlns:a16="http://schemas.microsoft.com/office/drawing/2014/main" id="{40869BD8-46C2-419B-A9CA-ABADB053F57F}"/>
+              </a:ext>
+            </a:extLst>
+          </p:cNvPr>
+          <p:cNvSpPr txBox="1"/>
+          <p:nvPr/>
+        </p:nvSpPr>
+        <p:spPr>
+          <a:xfrm>
+            <a:off x="10649546" y="2300402"/>
+            <a:ext cx="398587" cy="1318181"/>
+          </a:xfrm>
+          <a:prstGeom prst="rect">
+            <a:avLst/>
+          </a:prstGeom>
+          <a:noFill/>
+          <a:ln w="38100">
+            <a:solidFill>
+              <a:schemeClr val="tx1"/>
+            </a:solidFill>
+          </a:ln>
+        </p:spPr>
+        <p:txBody>
+          <a:bodyPr wrap="square" rtlCol="0">
+            <a:spAutoFit/>
+          </a:bodyPr>
+          <a:lstStyle/>
+          <a:p>
+            <a:pPr algn="ctr">
+              <a:lnSpc>
+                <a:spcPct val="150000"/>
+              </a:lnSpc>
+            </a:pPr>
+            <a:r>
+              <a:rPr lang="en-US" sz="2800" b="1"/>
+              <a:t>B</a:t>
+            </a:r>
+          </a:p>
+          <a:p>
+            <a:pPr algn="ctr">
+              <a:lnSpc>
+                <a:spcPct val="150000"/>
+              </a:lnSpc>
+            </a:pPr>
+            <a:r>
+              <a:rPr lang="en-US" sz="2800" b="1"/>
+              <a:t>B</a:t>
+            </a:r>
+          </a:p>
+        </p:txBody>
+      </p:sp>
+      <p:cxnSp>
+        <p:nvCxnSpPr>
+          <p:cNvPr id="107" name="Straight Connector 106">
+            <a:extLst>
+              <a:ext uri="{FF2B5EF4-FFF2-40B4-BE49-F238E27FC236}">
+                <a16:creationId xmlns:a16="http://schemas.microsoft.com/office/drawing/2014/main" id="{88856DE7-35F0-4171-BA0A-5FF06753EB97}"/>
+              </a:ext>
+            </a:extLst>
+          </p:cNvPr>
+          <p:cNvCxnSpPr>
+            <a:cxnSpLocks/>
+          </p:cNvCxnSpPr>
+          <p:nvPr/>
+        </p:nvCxnSpPr>
+        <p:spPr>
+          <a:xfrm flipV="1">
+            <a:off x="7322923" y="2883750"/>
+            <a:ext cx="1465070" cy="684458"/>
+          </a:xfrm>
+          <a:prstGeom prst="line">
+            <a:avLst/>
+          </a:prstGeom>
+          <a:ln w="38100"/>
+        </p:spPr>
+        <p:style>
+          <a:lnRef idx="1">
+            <a:schemeClr val="dk1"/>
+          </a:lnRef>
+          <a:fillRef idx="0">
+            <a:schemeClr val="dk1"/>
+          </a:fillRef>
+          <a:effectRef idx="0">
+            <a:schemeClr val="dk1"/>
+          </a:effectRef>
+          <a:fontRef idx="minor">
+            <a:schemeClr val="tx1"/>
+          </a:fontRef>
+        </p:style>
+      </p:cxnSp>
+      <p:cxnSp>
+        <p:nvCxnSpPr>
+          <p:cNvPr id="108" name="Straight Connector 107">
+            <a:extLst>
+              <a:ext uri="{FF2B5EF4-FFF2-40B4-BE49-F238E27FC236}">
+                <a16:creationId xmlns:a16="http://schemas.microsoft.com/office/drawing/2014/main" id="{F051079C-2B13-4492-8540-4EA53AA61009}"/>
+              </a:ext>
+            </a:extLst>
+          </p:cNvPr>
+          <p:cNvCxnSpPr>
+            <a:cxnSpLocks/>
+          </p:cNvCxnSpPr>
+          <p:nvPr/>
+        </p:nvCxnSpPr>
+        <p:spPr>
+          <a:xfrm>
+            <a:off x="7307885" y="3590953"/>
+            <a:ext cx="1412040" cy="862061"/>
+          </a:xfrm>
+          <a:prstGeom prst="line">
+            <a:avLst/>
+          </a:prstGeom>
+          <a:ln w="38100"/>
+        </p:spPr>
+        <p:style>
+          <a:lnRef idx="1">
+            <a:schemeClr val="dk1"/>
+          </a:lnRef>
+          <a:fillRef idx="0">
+            <a:schemeClr val="dk1"/>
+          </a:fillRef>
+          <a:effectRef idx="0">
+            <a:schemeClr val="dk1"/>
+          </a:effectRef>
+          <a:fontRef idx="minor">
+            <a:schemeClr val="tx1"/>
+          </a:fontRef>
+        </p:style>
+      </p:cxnSp>
+      <p:cxnSp>
+        <p:nvCxnSpPr>
+          <p:cNvPr id="109" name="Straight Connector 108">
+            <a:extLst>
+              <a:ext uri="{FF2B5EF4-FFF2-40B4-BE49-F238E27FC236}">
+                <a16:creationId xmlns:a16="http://schemas.microsoft.com/office/drawing/2014/main" id="{E2A6D92F-3269-492E-B9F0-C9B18B03EBD9}"/>
+              </a:ext>
+            </a:extLst>
+          </p:cNvPr>
+          <p:cNvCxnSpPr>
+            <a:cxnSpLocks/>
+          </p:cNvCxnSpPr>
+          <p:nvPr/>
+        </p:nvCxnSpPr>
+        <p:spPr>
+          <a:xfrm>
+            <a:off x="7310158" y="3593165"/>
+            <a:ext cx="1457896" cy="0"/>
+          </a:xfrm>
+          <a:prstGeom prst="line">
+            <a:avLst/>
+          </a:prstGeom>
+          <a:ln w="38100"/>
+        </p:spPr>
+        <p:style>
+          <a:lnRef idx="1">
+            <a:schemeClr val="dk1"/>
+          </a:lnRef>
+          <a:fillRef idx="0">
+            <a:schemeClr val="dk1"/>
+          </a:fillRef>
+          <a:effectRef idx="0">
+            <a:schemeClr val="dk1"/>
+          </a:effectRef>
+          <a:fontRef idx="minor">
+            <a:schemeClr val="tx1"/>
+          </a:fontRef>
+        </p:style>
+      </p:cxnSp>
+      <p:sp>
+        <p:nvSpPr>
+          <p:cNvPr id="110" name="Right Bracket 109">
+            <a:extLst>
+              <a:ext uri="{FF2B5EF4-FFF2-40B4-BE49-F238E27FC236}">
+                <a16:creationId xmlns:a16="http://schemas.microsoft.com/office/drawing/2014/main" id="{C7491654-70D1-4DC0-844C-CAC97C475BB7}"/>
+              </a:ext>
+            </a:extLst>
+          </p:cNvPr>
+          <p:cNvSpPr/>
+          <p:nvPr/>
+        </p:nvSpPr>
+        <p:spPr>
+          <a:xfrm rot="5400000">
+            <a:off x="8798002" y="3453556"/>
+            <a:ext cx="364915" cy="5639964"/>
+          </a:xfrm>
+          <a:prstGeom prst="rightBracket">
+            <a:avLst>
+              <a:gd name="adj" fmla="val 72484"/>
+            </a:avLst>
+          </a:prstGeom>
+          <a:ln w="38100">
+            <a:solidFill>
+              <a:schemeClr val="tx1"/>
+            </a:solidFill>
+          </a:ln>
+        </p:spPr>
+        <p:style>
+          <a:lnRef idx="1">
+            <a:schemeClr val="accent1"/>
+          </a:lnRef>
+          <a:fillRef idx="0">
+            <a:schemeClr val="accent1"/>
+          </a:fillRef>
+          <a:effectRef idx="0">
+            <a:schemeClr val="accent1"/>
+          </a:effectRef>
+          <a:fontRef idx="minor">
+            <a:schemeClr val="tx1"/>
+          </a:fontRef>
+        </p:style>
+        <p:txBody>
+          <a:bodyPr rtlCol="0" anchor="ctr"/>
+          <a:lstStyle/>
+          <a:p>
+            <a:pPr algn="ctr"/>
+            <a:endParaRPr lang="en-US"/>
+          </a:p>
+        </p:txBody>
+      </p:sp>
+      <p:sp>
+        <p:nvSpPr>
+          <p:cNvPr id="111" name="Right Bracket 110">
+            <a:extLst>
+              <a:ext uri="{FF2B5EF4-FFF2-40B4-BE49-F238E27FC236}">
+                <a16:creationId xmlns:a16="http://schemas.microsoft.com/office/drawing/2014/main" id="{CBCB848C-7CF5-4A8D-A00C-DD3410EF295E}"/>
+              </a:ext>
+            </a:extLst>
+          </p:cNvPr>
+          <p:cNvSpPr/>
+          <p:nvPr/>
+        </p:nvSpPr>
+        <p:spPr>
+          <a:xfrm rot="5400000">
+            <a:off x="8000997" y="3843355"/>
+            <a:ext cx="325902" cy="3356311"/>
+          </a:xfrm>
+          <a:prstGeom prst="rightBracket">
+            <a:avLst>
+              <a:gd name="adj" fmla="val 72484"/>
+            </a:avLst>
+          </a:prstGeom>
+          <a:ln w="38100">
+            <a:solidFill>
+              <a:schemeClr val="tx1">
+                <a:lumMod val="65000"/>
+                <a:lumOff val="35000"/>
+              </a:schemeClr>
+            </a:solidFill>
+          </a:ln>
+        </p:spPr>
+        <p:style>
+          <a:lnRef idx="1">
+            <a:schemeClr val="accent1"/>
+          </a:lnRef>
+          <a:fillRef idx="0">
+            <a:schemeClr val="accent1"/>
+          </a:fillRef>
+          <a:effectRef idx="0">
+            <a:schemeClr val="accent1"/>
+          </a:effectRef>
+          <a:fontRef idx="minor">
+            <a:schemeClr val="tx1"/>
+          </a:fontRef>
+        </p:style>
+        <p:txBody>
+          <a:bodyPr rtlCol="0" anchor="ctr"/>
+          <a:lstStyle/>
+          <a:p>
+            <a:pPr algn="ctr"/>
+            <a:endParaRPr lang="en-US"/>
+          </a:p>
+        </p:txBody>
+      </p:sp>
+      <p:sp>
+        <p:nvSpPr>
+          <p:cNvPr id="112" name="TextBox 111">
+            <a:extLst>
+              <a:ext uri="{FF2B5EF4-FFF2-40B4-BE49-F238E27FC236}">
+                <a16:creationId xmlns:a16="http://schemas.microsoft.com/office/drawing/2014/main" id="{577DB055-6657-49A1-BF77-C6BC040511DE}"/>
+              </a:ext>
+            </a:extLst>
+          </p:cNvPr>
+          <p:cNvSpPr txBox="1"/>
+          <p:nvPr/>
+        </p:nvSpPr>
+        <p:spPr>
+          <a:xfrm>
+            <a:off x="6398457" y="5045043"/>
+            <a:ext cx="3530982" cy="646331"/>
+          </a:xfrm>
+          <a:prstGeom prst="rect">
+            <a:avLst/>
+          </a:prstGeom>
+          <a:noFill/>
+          <a:ln>
+            <a:noFill/>
+          </a:ln>
+        </p:spPr>
+        <p:txBody>
+          <a:bodyPr wrap="square" rtlCol="0">
+            <a:spAutoFit/>
+          </a:bodyPr>
+          <a:lstStyle/>
+          <a:p>
+            <a:pPr algn="ctr"/>
+            <a:r>
+              <a:rPr lang="en-US" sz="3600" b="1">
+                <a:solidFill>
+                  <a:schemeClr val="tx1">
+                    <a:lumMod val="65000"/>
+                    <a:lumOff val="35000"/>
+                  </a:schemeClr>
+                </a:solidFill>
+              </a:rPr>
+              <a:t>12 arrangements</a:t>
+            </a:r>
+          </a:p>
+        </p:txBody>
+      </p:sp>
+      <p:sp>
+        <p:nvSpPr>
+          <p:cNvPr id="113" name="TextBox 112">
+            <a:extLst>
+              <a:ext uri="{FF2B5EF4-FFF2-40B4-BE49-F238E27FC236}">
+                <a16:creationId xmlns:a16="http://schemas.microsoft.com/office/drawing/2014/main" id="{4D2D4AD0-F86E-4109-824C-8FAF5C6C8EE4}"/>
+              </a:ext>
+            </a:extLst>
+          </p:cNvPr>
+          <p:cNvSpPr txBox="1"/>
+          <p:nvPr/>
+        </p:nvSpPr>
+        <p:spPr>
+          <a:xfrm>
+            <a:off x="7173198" y="5817745"/>
+            <a:ext cx="4123003" cy="707886"/>
+          </a:xfrm>
+          <a:prstGeom prst="rect">
+            <a:avLst/>
+          </a:prstGeom>
+          <a:noFill/>
+        </p:spPr>
+        <p:txBody>
+          <a:bodyPr wrap="square" rtlCol="0">
+            <a:spAutoFit/>
+          </a:bodyPr>
+          <a:lstStyle/>
+          <a:p>
+            <a:pPr algn="ctr"/>
+            <a:r>
+              <a:rPr lang="en-US" sz="4000" b="1"/>
+              <a:t>24 arrangements</a:t>
+            </a:r>
+          </a:p>
+        </p:txBody>
+      </p:sp>
+      <p:cxnSp>
+        <p:nvCxnSpPr>
+          <p:cNvPr id="114" name="Straight Connector 113">
+            <a:extLst>
+              <a:ext uri="{FF2B5EF4-FFF2-40B4-BE49-F238E27FC236}">
+                <a16:creationId xmlns:a16="http://schemas.microsoft.com/office/drawing/2014/main" id="{74489A7E-95C5-41B0-AF1F-D91F3CAB8510}"/>
+              </a:ext>
+            </a:extLst>
+          </p:cNvPr>
+          <p:cNvCxnSpPr>
+            <a:cxnSpLocks/>
+          </p:cNvCxnSpPr>
+          <p:nvPr/>
+        </p:nvCxnSpPr>
+        <p:spPr>
+          <a:xfrm flipH="1" flipV="1">
+            <a:off x="6460591" y="349346"/>
+            <a:ext cx="25201" cy="5009213"/>
+          </a:xfrm>
+          <a:prstGeom prst="line">
+            <a:avLst/>
+          </a:prstGeom>
+          <a:ln w="28575">
+            <a:solidFill>
+              <a:schemeClr val="tx1">
+                <a:lumMod val="65000"/>
+                <a:lumOff val="35000"/>
+              </a:schemeClr>
+            </a:solidFill>
+            <a:prstDash val="dash"/>
+          </a:ln>
+        </p:spPr>
+        <p:style>
+          <a:lnRef idx="1">
+            <a:schemeClr val="accent1"/>
+          </a:lnRef>
+          <a:fillRef idx="0">
+            <a:schemeClr val="accent1"/>
+          </a:fillRef>
+          <a:effectRef idx="0">
+            <a:schemeClr val="accent1"/>
+          </a:effectRef>
+          <a:fontRef idx="minor">
+            <a:schemeClr val="tx1"/>
+          </a:fontRef>
+        </p:style>
+      </p:cxnSp>
+      <p:cxnSp>
+        <p:nvCxnSpPr>
+          <p:cNvPr id="115" name="Straight Connector 114">
+            <a:extLst>
+              <a:ext uri="{FF2B5EF4-FFF2-40B4-BE49-F238E27FC236}">
+                <a16:creationId xmlns:a16="http://schemas.microsoft.com/office/drawing/2014/main" id="{FA2ECF58-77D0-4DD0-BAB5-8AC8B4E5C5F5}"/>
+              </a:ext>
+            </a:extLst>
+          </p:cNvPr>
+          <p:cNvCxnSpPr>
+            <a:cxnSpLocks/>
+          </p:cNvCxnSpPr>
+          <p:nvPr/>
+        </p:nvCxnSpPr>
+        <p:spPr>
+          <a:xfrm flipV="1">
+            <a:off x="11800442" y="459645"/>
+            <a:ext cx="0" cy="5687328"/>
+          </a:xfrm>
+          <a:prstGeom prst="line">
+            <a:avLst/>
+          </a:prstGeom>
+          <a:ln w="38100">
+            <a:solidFill>
+              <a:schemeClr val="tx1"/>
+            </a:solidFill>
+            <a:prstDash val="dash"/>
+          </a:ln>
+        </p:spPr>
+        <p:style>
+          <a:lnRef idx="1">
+            <a:schemeClr val="accent1"/>
+          </a:lnRef>
+          <a:fillRef idx="0">
+            <a:schemeClr val="accent1"/>
+          </a:fillRef>
+          <a:effectRef idx="0">
+            <a:schemeClr val="accent1"/>
+          </a:effectRef>
+          <a:fontRef idx="minor">
+            <a:schemeClr val="tx1"/>
+          </a:fontRef>
+        </p:style>
+      </p:cxnSp>
+      <p:cxnSp>
+        <p:nvCxnSpPr>
+          <p:cNvPr id="116" name="Straight Connector 115">
+            <a:extLst>
+              <a:ext uri="{FF2B5EF4-FFF2-40B4-BE49-F238E27FC236}">
+                <a16:creationId xmlns:a16="http://schemas.microsoft.com/office/drawing/2014/main" id="{32FCB302-4D26-445E-BCF8-975D02C0512E}"/>
+              </a:ext>
+            </a:extLst>
+          </p:cNvPr>
+          <p:cNvCxnSpPr>
+            <a:cxnSpLocks/>
+          </p:cNvCxnSpPr>
+          <p:nvPr/>
+        </p:nvCxnSpPr>
+        <p:spPr>
+          <a:xfrm flipV="1">
+            <a:off x="6160478" y="433751"/>
+            <a:ext cx="0" cy="5687328"/>
+          </a:xfrm>
+          <a:prstGeom prst="line">
+            <a:avLst/>
+          </a:prstGeom>
+          <a:ln w="38100">
+            <a:solidFill>
+              <a:schemeClr val="tx1"/>
+            </a:solidFill>
+            <a:prstDash val="dash"/>
+          </a:ln>
+        </p:spPr>
+        <p:style>
+          <a:lnRef idx="1">
+            <a:schemeClr val="accent1"/>
+          </a:lnRef>
+          <a:fillRef idx="0">
+            <a:schemeClr val="accent1"/>
+          </a:fillRef>
+          <a:effectRef idx="0">
+            <a:schemeClr val="accent1"/>
+          </a:effectRef>
+          <a:fontRef idx="minor">
+            <a:schemeClr val="tx1"/>
+          </a:fontRef>
+        </p:style>
+      </p:cxnSp>
+      <p:cxnSp>
+        <p:nvCxnSpPr>
+          <p:cNvPr id="117" name="Straight Connector 116">
+            <a:extLst>
+              <a:ext uri="{FF2B5EF4-FFF2-40B4-BE49-F238E27FC236}">
+                <a16:creationId xmlns:a16="http://schemas.microsoft.com/office/drawing/2014/main" id="{F7FC3BDF-96F2-4439-8D99-C4015F274FA7}"/>
+              </a:ext>
+            </a:extLst>
+          </p:cNvPr>
+          <p:cNvCxnSpPr>
+            <a:cxnSpLocks/>
+          </p:cNvCxnSpPr>
+          <p:nvPr/>
+        </p:nvCxnSpPr>
+        <p:spPr>
+          <a:xfrm flipV="1">
+            <a:off x="9298297" y="2685563"/>
+            <a:ext cx="1262284" cy="257065"/>
+          </a:xfrm>
+          <a:prstGeom prst="line">
+            <a:avLst/>
+          </a:prstGeom>
+          <a:ln w="38100"/>
+        </p:spPr>
+        <p:style>
+          <a:lnRef idx="1">
+            <a:schemeClr val="dk1"/>
+          </a:lnRef>
+          <a:fillRef idx="0">
+            <a:schemeClr val="dk1"/>
+          </a:fillRef>
+          <a:effectRef idx="0">
+            <a:schemeClr val="dk1"/>
+          </a:effectRef>
+          <a:fontRef idx="minor">
+            <a:schemeClr val="tx1"/>
+          </a:fontRef>
+        </p:style>
+      </p:cxnSp>
+      <p:cxnSp>
+        <p:nvCxnSpPr>
+          <p:cNvPr id="118" name="Straight Connector 117">
+            <a:extLst>
+              <a:ext uri="{FF2B5EF4-FFF2-40B4-BE49-F238E27FC236}">
+                <a16:creationId xmlns:a16="http://schemas.microsoft.com/office/drawing/2014/main" id="{DD7EC576-040D-42D3-9972-FA40B33A835C}"/>
+              </a:ext>
+            </a:extLst>
+          </p:cNvPr>
+          <p:cNvCxnSpPr>
+            <a:cxnSpLocks/>
+            <a:stCxn id="111" idx="0"/>
+          </p:cNvCxnSpPr>
+          <p:nvPr/>
+        </p:nvCxnSpPr>
+        <p:spPr>
+          <a:xfrm flipH="1" flipV="1">
+            <a:off x="9836834" y="945936"/>
+            <a:ext cx="5270" cy="4412624"/>
+          </a:xfrm>
+          <a:prstGeom prst="line">
+            <a:avLst/>
+          </a:prstGeom>
+          <a:ln w="28575">
+            <a:solidFill>
+              <a:schemeClr val="tx1">
+                <a:lumMod val="65000"/>
+                <a:lumOff val="35000"/>
+              </a:schemeClr>
+            </a:solidFill>
+            <a:prstDash val="dash"/>
+          </a:ln>
+        </p:spPr>
+        <p:style>
+          <a:lnRef idx="1">
+            <a:schemeClr val="accent1"/>
+          </a:lnRef>
+          <a:fillRef idx="0">
+            <a:schemeClr val="accent1"/>
+          </a:fillRef>
+          <a:effectRef idx="0">
+            <a:schemeClr val="accent1"/>
+          </a:effectRef>
+          <a:fontRef idx="minor">
+            <a:schemeClr val="tx1"/>
+          </a:fontRef>
+        </p:style>
+      </p:cxnSp>
+    </p:spTree>
+    <p:extLst>
+      <p:ext uri="{BB962C8B-B14F-4D97-AF65-F5344CB8AC3E}">
+        <p14:creationId xmlns:p14="http://schemas.microsoft.com/office/powerpoint/2010/main" val="4170487504"/>
       </p:ext>
     </p:extLst>
   </p:cSld>
